--- a/RepairNN.pptx
+++ b/RepairNN.pptx
@@ -2,13 +2,13 @@
 <file path=ppt/presentation.xml><?xml version="1.0" encoding="utf-8"?>
 <p:presentation xmlns:a="http://schemas.openxmlformats.org/drawingml/2006/main" xmlns:r="http://schemas.openxmlformats.org/officeDocument/2006/relationships" xmlns:p="http://schemas.openxmlformats.org/presentationml/2006/main">
   <p:sldMasterIdLst>
-    <p:sldMasterId id="2147483648" r:id="rId5"/>
+    <p:sldMasterId id="2147483648" r:id="rId1"/>
   </p:sldMasterIdLst>
   <p:notesMasterIdLst>
-    <p:notesMasterId r:id="rId7"/>
+    <p:notesMasterId r:id="rId3"/>
   </p:notesMasterIdLst>
   <p:sldIdLst>
-    <p:sldId id="256" r:id="rId8"/>
+    <p:sldId id="256" r:id="rId2"/>
   </p:sldIdLst>
   <p:sldSz cx="13004800" cy="9753600"/>
   <p:notesSz cx="6858000" cy="9144000"/>
@@ -89,13 +89,14 @@
 </p:presentation>
 </file>
 
-<file path=ppt/commentAuthors.xml><?xml version="1.0" encoding="utf-8"?>
-<p:cmAuthorLst xmlns:a="http://schemas.openxmlformats.org/drawingml/2006/main" xmlns:r="http://schemas.openxmlformats.org/officeDocument/2006/relationships" xmlns:p="http://schemas.openxmlformats.org/presentationml/2006/main"/>
-</file>
-
 <file path=ppt/notesMasters/notesMaster1.xml><?xml version="1.0" encoding="utf-8"?>
 <p:notesMaster xmlns:a="http://schemas.openxmlformats.org/drawingml/2006/main" xmlns:r="http://schemas.openxmlformats.org/officeDocument/2006/relationships" xmlns:p="http://schemas.openxmlformats.org/presentationml/2006/main">
   <p:cSld>
+    <p:bg>
+      <p:bgRef idx="1001">
+        <a:schemeClr val="bg1"/>
+      </p:bgRef>
+    </p:bg>
     <p:spTree>
       <p:nvGrpSpPr>
         <p:cNvPr id="1" name=""/>
@@ -113,7 +114,9 @@
       <p:sp>
         <p:nvSpPr>
           <p:cNvPr id="29" name="Shape 29"/>
-          <p:cNvSpPr/>
+          <p:cNvSpPr>
+            <a:spLocks noGrp="1" noRot="1" noChangeAspect="1"/>
+          </p:cNvSpPr>
           <p:nvPr>
             <p:ph type="sldImg"/>
           </p:nvPr>
@@ -132,13 +135,16 @@
           <a:lstStyle/>
           <a:p>
             <a:pPr lvl="0"/>
+            <a:endParaRPr/>
           </a:p>
         </p:txBody>
       </p:sp>
       <p:sp>
         <p:nvSpPr>
           <p:cNvPr id="30" name="Shape 30"/>
-          <p:cNvSpPr/>
+          <p:cNvSpPr>
+            <a:spLocks noGrp="1"/>
+          </p:cNvSpPr>
           <p:nvPr>
             <p:ph type="body" sz="quarter" idx="1"/>
           </p:nvPr>
@@ -157,6 +163,7 @@
           <a:lstStyle/>
           <a:p>
             <a:pPr lvl="0"/>
+            <a:endParaRPr/>
           </a:p>
         </p:txBody>
       </p:sp>
@@ -169,9 +176,9 @@
         <a:spcPct val="125000"/>
       </a:lnSpc>
       <a:defRPr sz="2400">
-        <a:latin typeface="Avenir Roman"/>
-        <a:ea typeface="Avenir Roman"/>
-        <a:cs typeface="Avenir Roman"/>
+        <a:latin typeface="Avenir"/>
+        <a:ea typeface="Avenir"/>
+        <a:cs typeface="Avenir"/>
         <a:sym typeface="Avenir Roman"/>
       </a:defRPr>
     </a:lvl1pPr>
@@ -180,9 +187,9 @@
         <a:spcPct val="125000"/>
       </a:lnSpc>
       <a:defRPr sz="2400">
-        <a:latin typeface="Avenir Roman"/>
-        <a:ea typeface="Avenir Roman"/>
-        <a:cs typeface="Avenir Roman"/>
+        <a:latin typeface="Avenir"/>
+        <a:ea typeface="Avenir"/>
+        <a:cs typeface="Avenir"/>
         <a:sym typeface="Avenir Roman"/>
       </a:defRPr>
     </a:lvl2pPr>
@@ -191,9 +198,9 @@
         <a:spcPct val="125000"/>
       </a:lnSpc>
       <a:defRPr sz="2400">
-        <a:latin typeface="Avenir Roman"/>
-        <a:ea typeface="Avenir Roman"/>
-        <a:cs typeface="Avenir Roman"/>
+        <a:latin typeface="Avenir"/>
+        <a:ea typeface="Avenir"/>
+        <a:cs typeface="Avenir"/>
         <a:sym typeface="Avenir Roman"/>
       </a:defRPr>
     </a:lvl3pPr>
@@ -202,9 +209,9 @@
         <a:spcPct val="125000"/>
       </a:lnSpc>
       <a:defRPr sz="2400">
-        <a:latin typeface="Avenir Roman"/>
-        <a:ea typeface="Avenir Roman"/>
-        <a:cs typeface="Avenir Roman"/>
+        <a:latin typeface="Avenir"/>
+        <a:ea typeface="Avenir"/>
+        <a:cs typeface="Avenir"/>
         <a:sym typeface="Avenir Roman"/>
       </a:defRPr>
     </a:lvl4pPr>
@@ -213,9 +220,9 @@
         <a:spcPct val="125000"/>
       </a:lnSpc>
       <a:defRPr sz="2400">
-        <a:latin typeface="Avenir Roman"/>
-        <a:ea typeface="Avenir Roman"/>
-        <a:cs typeface="Avenir Roman"/>
+        <a:latin typeface="Avenir"/>
+        <a:ea typeface="Avenir"/>
+        <a:cs typeface="Avenir"/>
         <a:sym typeface="Avenir Roman"/>
       </a:defRPr>
     </a:lvl5pPr>
@@ -224,9 +231,9 @@
         <a:spcPct val="125000"/>
       </a:lnSpc>
       <a:defRPr sz="2400">
-        <a:latin typeface="Avenir Roman"/>
-        <a:ea typeface="Avenir Roman"/>
-        <a:cs typeface="Avenir Roman"/>
+        <a:latin typeface="Avenir"/>
+        <a:ea typeface="Avenir"/>
+        <a:cs typeface="Avenir"/>
         <a:sym typeface="Avenir Roman"/>
       </a:defRPr>
     </a:lvl6pPr>
@@ -235,9 +242,9 @@
         <a:spcPct val="125000"/>
       </a:lnSpc>
       <a:defRPr sz="2400">
-        <a:latin typeface="Avenir Roman"/>
-        <a:ea typeface="Avenir Roman"/>
-        <a:cs typeface="Avenir Roman"/>
+        <a:latin typeface="Avenir"/>
+        <a:ea typeface="Avenir"/>
+        <a:cs typeface="Avenir"/>
         <a:sym typeface="Avenir Roman"/>
       </a:defRPr>
     </a:lvl7pPr>
@@ -246,9 +253,9 @@
         <a:spcPct val="125000"/>
       </a:lnSpc>
       <a:defRPr sz="2400">
-        <a:latin typeface="Avenir Roman"/>
-        <a:ea typeface="Avenir Roman"/>
-        <a:cs typeface="Avenir Roman"/>
+        <a:latin typeface="Avenir"/>
+        <a:ea typeface="Avenir"/>
+        <a:cs typeface="Avenir"/>
         <a:sym typeface="Avenir Roman"/>
       </a:defRPr>
     </a:lvl8pPr>
@@ -257,9 +264,9 @@
         <a:spcPct val="125000"/>
       </a:lnSpc>
       <a:defRPr sz="2400">
-        <a:latin typeface="Avenir Roman"/>
-        <a:ea typeface="Avenir Roman"/>
-        <a:cs typeface="Avenir Roman"/>
+        <a:latin typeface="Avenir"/>
+        <a:ea typeface="Avenir"/>
+        <a:cs typeface="Avenir"/>
         <a:sym typeface="Avenir Roman"/>
       </a:defRPr>
     </a:lvl9pPr>
@@ -268,7 +275,7 @@
 </file>
 
 <file path=ppt/slideLayouts/slideLayout1.xml><?xml version="1.0" encoding="utf-8"?>
-<p:sldLayout xmlns:a="http://schemas.openxmlformats.org/drawingml/2006/main" xmlns:r="http://schemas.openxmlformats.org/officeDocument/2006/relationships" xmlns:p="http://schemas.openxmlformats.org/presentationml/2006/main" type="tx" showMasterSp="1" showMasterPhAnim="1">
+<p:sldLayout xmlns:a="http://schemas.openxmlformats.org/drawingml/2006/main" xmlns:r="http://schemas.openxmlformats.org/officeDocument/2006/relationships" xmlns:p="http://schemas.openxmlformats.org/presentationml/2006/main" type="tx">
   <p:cSld name="Title &amp; Subtitle">
     <p:spTree>
       <p:nvGrpSpPr>
@@ -287,7 +294,9 @@
       <p:sp>
         <p:nvSpPr>
           <p:cNvPr id="5" name="Shape 5"/>
-          <p:cNvSpPr/>
+          <p:cNvSpPr>
+            <a:spLocks noGrp="1"/>
+          </p:cNvSpPr>
           <p:nvPr>
             <p:ph type="title"/>
           </p:nvPr>
@@ -318,7 +327,9 @@
       <p:sp>
         <p:nvSpPr>
           <p:cNvPr id="6" name="Shape 6"/>
-          <p:cNvSpPr/>
+          <p:cNvSpPr>
+            <a:spLocks noGrp="1"/>
+          </p:cNvSpPr>
           <p:nvPr>
             <p:ph type="body" idx="1"/>
           </p:nvPr>
@@ -384,7 +395,6 @@
               <a:rPr sz="3200"/>
               <a:t>Body Level One</a:t>
             </a:r>
-            <a:endParaRPr sz="3200"/>
           </a:p>
           <a:p>
             <a:pPr lvl="1">
@@ -394,7 +404,6 @@
               <a:rPr sz="3200"/>
               <a:t>Body Level Two</a:t>
             </a:r>
-            <a:endParaRPr sz="3200"/>
           </a:p>
           <a:p>
             <a:pPr lvl="2">
@@ -404,7 +413,6 @@
               <a:rPr sz="3200"/>
               <a:t>Body Level Three</a:t>
             </a:r>
-            <a:endParaRPr sz="3200"/>
           </a:p>
           <a:p>
             <a:pPr lvl="3">
@@ -414,7 +422,6 @@
               <a:rPr sz="3200"/>
               <a:t>Body Level Four</a:t>
             </a:r>
-            <a:endParaRPr sz="3200"/>
           </a:p>
           <a:p>
             <a:pPr lvl="4">
@@ -432,12 +439,12 @@
   <p:clrMapOvr>
     <a:masterClrMapping/>
   </p:clrMapOvr>
-  <p:transition spd="med" advClick="1"/>
+  <p:transition spd="med"/>
 </p:sldLayout>
 </file>
 
 <file path=ppt/slideLayouts/slideLayout10.xml><?xml version="1.0" encoding="utf-8"?>
-<p:sldLayout xmlns:a="http://schemas.openxmlformats.org/drawingml/2006/main" xmlns:r="http://schemas.openxmlformats.org/officeDocument/2006/relationships" xmlns:p="http://schemas.openxmlformats.org/presentationml/2006/main" type="tx" showMasterSp="1" showMasterPhAnim="1">
+<p:sldLayout xmlns:a="http://schemas.openxmlformats.org/drawingml/2006/main" xmlns:r="http://schemas.openxmlformats.org/officeDocument/2006/relationships" xmlns:p="http://schemas.openxmlformats.org/presentationml/2006/main" type="tx">
   <p:cSld name="Quote">
     <p:spTree>
       <p:nvGrpSpPr>
@@ -458,12 +465,12 @@
   <p:clrMapOvr>
     <a:masterClrMapping/>
   </p:clrMapOvr>
-  <p:transition spd="med" advClick="1"/>
+  <p:transition spd="med"/>
 </p:sldLayout>
 </file>
 
 <file path=ppt/slideLayouts/slideLayout11.xml><?xml version="1.0" encoding="utf-8"?>
-<p:sldLayout xmlns:a="http://schemas.openxmlformats.org/drawingml/2006/main" xmlns:r="http://schemas.openxmlformats.org/officeDocument/2006/relationships" xmlns:p="http://schemas.openxmlformats.org/presentationml/2006/main" type="tx" showMasterSp="1" showMasterPhAnim="1">
+<p:sldLayout xmlns:a="http://schemas.openxmlformats.org/drawingml/2006/main" xmlns:r="http://schemas.openxmlformats.org/officeDocument/2006/relationships" xmlns:p="http://schemas.openxmlformats.org/presentationml/2006/main" type="tx">
   <p:cSld name="Photo">
     <p:spTree>
       <p:nvGrpSpPr>
@@ -484,12 +491,12 @@
   <p:clrMapOvr>
     <a:masterClrMapping/>
   </p:clrMapOvr>
-  <p:transition spd="med" advClick="1"/>
+  <p:transition spd="med"/>
 </p:sldLayout>
 </file>
 
 <file path=ppt/slideLayouts/slideLayout12.xml><?xml version="1.0" encoding="utf-8"?>
-<p:sldLayout xmlns:a="http://schemas.openxmlformats.org/drawingml/2006/main" xmlns:r="http://schemas.openxmlformats.org/officeDocument/2006/relationships" xmlns:p="http://schemas.openxmlformats.org/presentationml/2006/main" type="tx" showMasterSp="1" showMasterPhAnim="1">
+<p:sldLayout xmlns:a="http://schemas.openxmlformats.org/drawingml/2006/main" xmlns:r="http://schemas.openxmlformats.org/officeDocument/2006/relationships" xmlns:p="http://schemas.openxmlformats.org/presentationml/2006/main" type="tx">
   <p:cSld name="Blank">
     <p:spTree>
       <p:nvGrpSpPr>
@@ -510,12 +517,12 @@
   <p:clrMapOvr>
     <a:masterClrMapping/>
   </p:clrMapOvr>
-  <p:transition spd="med" advClick="1"/>
+  <p:transition spd="med"/>
 </p:sldLayout>
 </file>
 
 <file path=ppt/slideLayouts/slideLayout2.xml><?xml version="1.0" encoding="utf-8"?>
-<p:sldLayout xmlns:a="http://schemas.openxmlformats.org/drawingml/2006/main" xmlns:r="http://schemas.openxmlformats.org/officeDocument/2006/relationships" xmlns:p="http://schemas.openxmlformats.org/presentationml/2006/main" type="tx" showMasterSp="1" showMasterPhAnim="1">
+<p:sldLayout xmlns:a="http://schemas.openxmlformats.org/drawingml/2006/main" xmlns:r="http://schemas.openxmlformats.org/officeDocument/2006/relationships" xmlns:p="http://schemas.openxmlformats.org/presentationml/2006/main" type="tx">
   <p:cSld name="Photo - Horizontal">
     <p:spTree>
       <p:nvGrpSpPr>
@@ -534,7 +541,9 @@
       <p:sp>
         <p:nvSpPr>
           <p:cNvPr id="8" name="Shape 8"/>
-          <p:cNvSpPr/>
+          <p:cNvSpPr>
+            <a:spLocks noGrp="1"/>
+          </p:cNvSpPr>
           <p:nvPr>
             <p:ph type="title"/>
           </p:nvPr>
@@ -565,7 +574,9 @@
       <p:sp>
         <p:nvSpPr>
           <p:cNvPr id="9" name="Shape 9"/>
-          <p:cNvSpPr/>
+          <p:cNvSpPr>
+            <a:spLocks noGrp="1"/>
+          </p:cNvSpPr>
           <p:nvPr>
             <p:ph type="body" idx="1"/>
           </p:nvPr>
@@ -631,7 +642,6 @@
               <a:rPr sz="3200"/>
               <a:t>Body Level One</a:t>
             </a:r>
-            <a:endParaRPr sz="3200"/>
           </a:p>
           <a:p>
             <a:pPr lvl="1">
@@ -641,7 +651,6 @@
               <a:rPr sz="3200"/>
               <a:t>Body Level Two</a:t>
             </a:r>
-            <a:endParaRPr sz="3200"/>
           </a:p>
           <a:p>
             <a:pPr lvl="2">
@@ -651,7 +660,6 @@
               <a:rPr sz="3200"/>
               <a:t>Body Level Three</a:t>
             </a:r>
-            <a:endParaRPr sz="3200"/>
           </a:p>
           <a:p>
             <a:pPr lvl="3">
@@ -661,7 +669,6 @@
               <a:rPr sz="3200"/>
               <a:t>Body Level Four</a:t>
             </a:r>
-            <a:endParaRPr sz="3200"/>
           </a:p>
           <a:p>
             <a:pPr lvl="4">
@@ -679,12 +686,12 @@
   <p:clrMapOvr>
     <a:masterClrMapping/>
   </p:clrMapOvr>
-  <p:transition spd="med" advClick="1"/>
+  <p:transition spd="med"/>
 </p:sldLayout>
 </file>
 
 <file path=ppt/slideLayouts/slideLayout3.xml><?xml version="1.0" encoding="utf-8"?>
-<p:sldLayout xmlns:a="http://schemas.openxmlformats.org/drawingml/2006/main" xmlns:r="http://schemas.openxmlformats.org/officeDocument/2006/relationships" xmlns:p="http://schemas.openxmlformats.org/presentationml/2006/main" type="tx" showMasterSp="1" showMasterPhAnim="1">
+<p:sldLayout xmlns:a="http://schemas.openxmlformats.org/drawingml/2006/main" xmlns:r="http://schemas.openxmlformats.org/officeDocument/2006/relationships" xmlns:p="http://schemas.openxmlformats.org/presentationml/2006/main" type="tx">
   <p:cSld name="Title - Center">
     <p:spTree>
       <p:nvGrpSpPr>
@@ -703,7 +710,9 @@
       <p:sp>
         <p:nvSpPr>
           <p:cNvPr id="11" name="Shape 11"/>
-          <p:cNvSpPr/>
+          <p:cNvSpPr>
+            <a:spLocks noGrp="1"/>
+          </p:cNvSpPr>
           <p:nvPr>
             <p:ph type="title"/>
           </p:nvPr>
@@ -736,12 +745,12 @@
   <p:clrMapOvr>
     <a:masterClrMapping/>
   </p:clrMapOvr>
-  <p:transition spd="med" advClick="1"/>
+  <p:transition spd="med"/>
 </p:sldLayout>
 </file>
 
 <file path=ppt/slideLayouts/slideLayout4.xml><?xml version="1.0" encoding="utf-8"?>
-<p:sldLayout xmlns:a="http://schemas.openxmlformats.org/drawingml/2006/main" xmlns:r="http://schemas.openxmlformats.org/officeDocument/2006/relationships" xmlns:p="http://schemas.openxmlformats.org/presentationml/2006/main" type="tx" showMasterSp="1" showMasterPhAnim="1">
+<p:sldLayout xmlns:a="http://schemas.openxmlformats.org/drawingml/2006/main" xmlns:r="http://schemas.openxmlformats.org/officeDocument/2006/relationships" xmlns:p="http://schemas.openxmlformats.org/presentationml/2006/main" type="tx">
   <p:cSld name="Photo - Vertical">
     <p:spTree>
       <p:nvGrpSpPr>
@@ -760,7 +769,9 @@
       <p:sp>
         <p:nvSpPr>
           <p:cNvPr id="13" name="Shape 13"/>
-          <p:cNvSpPr/>
+          <p:cNvSpPr>
+            <a:spLocks noGrp="1"/>
+          </p:cNvSpPr>
           <p:nvPr>
             <p:ph type="title"/>
           </p:nvPr>
@@ -795,7 +806,9 @@
       <p:sp>
         <p:nvSpPr>
           <p:cNvPr id="14" name="Shape 14"/>
-          <p:cNvSpPr/>
+          <p:cNvSpPr>
+            <a:spLocks noGrp="1"/>
+          </p:cNvSpPr>
           <p:nvPr>
             <p:ph type="body" idx="1"/>
           </p:nvPr>
@@ -861,7 +874,6 @@
               <a:rPr sz="3200"/>
               <a:t>Body Level One</a:t>
             </a:r>
-            <a:endParaRPr sz="3200"/>
           </a:p>
           <a:p>
             <a:pPr lvl="1">
@@ -871,7 +883,6 @@
               <a:rPr sz="3200"/>
               <a:t>Body Level Two</a:t>
             </a:r>
-            <a:endParaRPr sz="3200"/>
           </a:p>
           <a:p>
             <a:pPr lvl="2">
@@ -881,7 +892,6 @@
               <a:rPr sz="3200"/>
               <a:t>Body Level Three</a:t>
             </a:r>
-            <a:endParaRPr sz="3200"/>
           </a:p>
           <a:p>
             <a:pPr lvl="3">
@@ -891,7 +901,6 @@
               <a:rPr sz="3200"/>
               <a:t>Body Level Four</a:t>
             </a:r>
-            <a:endParaRPr sz="3200"/>
           </a:p>
           <a:p>
             <a:pPr lvl="4">
@@ -909,12 +918,12 @@
   <p:clrMapOvr>
     <a:masterClrMapping/>
   </p:clrMapOvr>
-  <p:transition spd="med" advClick="1"/>
+  <p:transition spd="med"/>
 </p:sldLayout>
 </file>
 
 <file path=ppt/slideLayouts/slideLayout5.xml><?xml version="1.0" encoding="utf-8"?>
-<p:sldLayout xmlns:a="http://schemas.openxmlformats.org/drawingml/2006/main" xmlns:r="http://schemas.openxmlformats.org/officeDocument/2006/relationships" xmlns:p="http://schemas.openxmlformats.org/presentationml/2006/main" type="tx" showMasterSp="1" showMasterPhAnim="1">
+<p:sldLayout xmlns:a="http://schemas.openxmlformats.org/drawingml/2006/main" xmlns:r="http://schemas.openxmlformats.org/officeDocument/2006/relationships" xmlns:p="http://schemas.openxmlformats.org/presentationml/2006/main" type="tx">
   <p:cSld name="Title - Top">
     <p:spTree>
       <p:nvGrpSpPr>
@@ -933,7 +942,9 @@
       <p:sp>
         <p:nvSpPr>
           <p:cNvPr id="16" name="Shape 16"/>
-          <p:cNvSpPr/>
+          <p:cNvSpPr>
+            <a:spLocks noGrp="1"/>
+          </p:cNvSpPr>
           <p:nvPr>
             <p:ph type="title"/>
           </p:nvPr>
@@ -962,12 +973,12 @@
   <p:clrMapOvr>
     <a:masterClrMapping/>
   </p:clrMapOvr>
-  <p:transition spd="med" advClick="1"/>
+  <p:transition spd="med"/>
 </p:sldLayout>
 </file>
 
 <file path=ppt/slideLayouts/slideLayout6.xml><?xml version="1.0" encoding="utf-8"?>
-<p:sldLayout xmlns:a="http://schemas.openxmlformats.org/drawingml/2006/main" xmlns:r="http://schemas.openxmlformats.org/officeDocument/2006/relationships" xmlns:p="http://schemas.openxmlformats.org/presentationml/2006/main" type="tx" showMasterSp="1" showMasterPhAnim="1">
+<p:sldLayout xmlns:a="http://schemas.openxmlformats.org/drawingml/2006/main" xmlns:r="http://schemas.openxmlformats.org/officeDocument/2006/relationships" xmlns:p="http://schemas.openxmlformats.org/presentationml/2006/main" type="tx">
   <p:cSld name="Title &amp; Bullets">
     <p:spTree>
       <p:nvGrpSpPr>
@@ -986,7 +997,9 @@
       <p:sp>
         <p:nvSpPr>
           <p:cNvPr id="18" name="Shape 18"/>
-          <p:cNvSpPr/>
+          <p:cNvSpPr>
+            <a:spLocks noGrp="1"/>
+          </p:cNvSpPr>
           <p:nvPr>
             <p:ph type="title"/>
           </p:nvPr>
@@ -1013,7 +1026,9 @@
       <p:sp>
         <p:nvSpPr>
           <p:cNvPr id="19" name="Shape 19"/>
-          <p:cNvSpPr/>
+          <p:cNvSpPr>
+            <a:spLocks noGrp="1"/>
+          </p:cNvSpPr>
           <p:nvPr>
             <p:ph type="body" idx="1"/>
           </p:nvPr>
@@ -1034,7 +1049,6 @@
               <a:rPr sz="3600"/>
               <a:t>Body Level One</a:t>
             </a:r>
-            <a:endParaRPr sz="3600"/>
           </a:p>
           <a:p>
             <a:pPr lvl="1">
@@ -1044,7 +1058,6 @@
               <a:rPr sz="3600"/>
               <a:t>Body Level Two</a:t>
             </a:r>
-            <a:endParaRPr sz="3600"/>
           </a:p>
           <a:p>
             <a:pPr lvl="2">
@@ -1054,7 +1067,6 @@
               <a:rPr sz="3600"/>
               <a:t>Body Level Three</a:t>
             </a:r>
-            <a:endParaRPr sz="3600"/>
           </a:p>
           <a:p>
             <a:pPr lvl="3">
@@ -1064,7 +1076,6 @@
               <a:rPr sz="3600"/>
               <a:t>Body Level Four</a:t>
             </a:r>
-            <a:endParaRPr sz="3600"/>
           </a:p>
           <a:p>
             <a:pPr lvl="4">
@@ -1082,12 +1093,12 @@
   <p:clrMapOvr>
     <a:masterClrMapping/>
   </p:clrMapOvr>
-  <p:transition spd="med" advClick="1"/>
+  <p:transition spd="med"/>
 </p:sldLayout>
 </file>
 
 <file path=ppt/slideLayouts/slideLayout7.xml><?xml version="1.0" encoding="utf-8"?>
-<p:sldLayout xmlns:a="http://schemas.openxmlformats.org/drawingml/2006/main" xmlns:r="http://schemas.openxmlformats.org/officeDocument/2006/relationships" xmlns:p="http://schemas.openxmlformats.org/presentationml/2006/main" type="tx" showMasterSp="1" showMasterPhAnim="1">
+<p:sldLayout xmlns:a="http://schemas.openxmlformats.org/drawingml/2006/main" xmlns:r="http://schemas.openxmlformats.org/officeDocument/2006/relationships" xmlns:p="http://schemas.openxmlformats.org/presentationml/2006/main" type="tx">
   <p:cSld name="Title, Bullets &amp; Photo">
     <p:spTree>
       <p:nvGrpSpPr>
@@ -1106,7 +1117,9 @@
       <p:sp>
         <p:nvSpPr>
           <p:cNvPr id="21" name="Shape 21"/>
-          <p:cNvSpPr/>
+          <p:cNvSpPr>
+            <a:spLocks noGrp="1"/>
+          </p:cNvSpPr>
           <p:nvPr>
             <p:ph type="title"/>
           </p:nvPr>
@@ -1133,7 +1146,9 @@
       <p:sp>
         <p:nvSpPr>
           <p:cNvPr id="22" name="Shape 22"/>
-          <p:cNvSpPr/>
+          <p:cNvSpPr>
+            <a:spLocks noGrp="1"/>
+          </p:cNvSpPr>
           <p:nvPr>
             <p:ph type="body" idx="1"/>
           </p:nvPr>
@@ -1189,7 +1204,6 @@
               <a:rPr sz="2800"/>
               <a:t>Body Level One</a:t>
             </a:r>
-            <a:endParaRPr sz="2800"/>
           </a:p>
           <a:p>
             <a:pPr lvl="1">
@@ -1199,7 +1213,6 @@
               <a:rPr sz="2800"/>
               <a:t>Body Level Two</a:t>
             </a:r>
-            <a:endParaRPr sz="2800"/>
           </a:p>
           <a:p>
             <a:pPr lvl="2">
@@ -1209,7 +1222,6 @@
               <a:rPr sz="2800"/>
               <a:t>Body Level Three</a:t>
             </a:r>
-            <a:endParaRPr sz="2800"/>
           </a:p>
           <a:p>
             <a:pPr lvl="3">
@@ -1219,7 +1231,6 @@
               <a:rPr sz="2800"/>
               <a:t>Body Level Four</a:t>
             </a:r>
-            <a:endParaRPr sz="2800"/>
           </a:p>
           <a:p>
             <a:pPr lvl="4">
@@ -1237,12 +1248,12 @@
   <p:clrMapOvr>
     <a:masterClrMapping/>
   </p:clrMapOvr>
-  <p:transition spd="med" advClick="1"/>
+  <p:transition spd="med"/>
 </p:sldLayout>
 </file>
 
 <file path=ppt/slideLayouts/slideLayout8.xml><?xml version="1.0" encoding="utf-8"?>
-<p:sldLayout xmlns:a="http://schemas.openxmlformats.org/drawingml/2006/main" xmlns:r="http://schemas.openxmlformats.org/officeDocument/2006/relationships" xmlns:p="http://schemas.openxmlformats.org/presentationml/2006/main" type="tx" showMasterSp="1" showMasterPhAnim="1">
+<p:sldLayout xmlns:a="http://schemas.openxmlformats.org/drawingml/2006/main" xmlns:r="http://schemas.openxmlformats.org/officeDocument/2006/relationships" xmlns:p="http://schemas.openxmlformats.org/presentationml/2006/main" type="tx">
   <p:cSld name="Bullets">
     <p:spTree>
       <p:nvGrpSpPr>
@@ -1261,7 +1272,9 @@
       <p:sp>
         <p:nvSpPr>
           <p:cNvPr id="24" name="Shape 24"/>
-          <p:cNvSpPr/>
+          <p:cNvSpPr>
+            <a:spLocks noGrp="1"/>
+          </p:cNvSpPr>
           <p:nvPr>
             <p:ph type="body" idx="1"/>
           </p:nvPr>
@@ -1286,7 +1299,6 @@
               <a:rPr sz="3600"/>
               <a:t>Body Level One</a:t>
             </a:r>
-            <a:endParaRPr sz="3600"/>
           </a:p>
           <a:p>
             <a:pPr lvl="1">
@@ -1296,7 +1308,6 @@
               <a:rPr sz="3600"/>
               <a:t>Body Level Two</a:t>
             </a:r>
-            <a:endParaRPr sz="3600"/>
           </a:p>
           <a:p>
             <a:pPr lvl="2">
@@ -1306,7 +1317,6 @@
               <a:rPr sz="3600"/>
               <a:t>Body Level Three</a:t>
             </a:r>
-            <a:endParaRPr sz="3600"/>
           </a:p>
           <a:p>
             <a:pPr lvl="3">
@@ -1316,7 +1326,6 @@
               <a:rPr sz="3600"/>
               <a:t>Body Level Four</a:t>
             </a:r>
-            <a:endParaRPr sz="3600"/>
           </a:p>
           <a:p>
             <a:pPr lvl="4">
@@ -1334,12 +1343,12 @@
   <p:clrMapOvr>
     <a:masterClrMapping/>
   </p:clrMapOvr>
-  <p:transition spd="med" advClick="1"/>
+  <p:transition spd="med"/>
 </p:sldLayout>
 </file>
 
 <file path=ppt/slideLayouts/slideLayout9.xml><?xml version="1.0" encoding="utf-8"?>
-<p:sldLayout xmlns:a="http://schemas.openxmlformats.org/drawingml/2006/main" xmlns:r="http://schemas.openxmlformats.org/officeDocument/2006/relationships" xmlns:p="http://schemas.openxmlformats.org/presentationml/2006/main" type="tx" showMasterSp="1" showMasterPhAnim="1">
+<p:sldLayout xmlns:a="http://schemas.openxmlformats.org/drawingml/2006/main" xmlns:r="http://schemas.openxmlformats.org/officeDocument/2006/relationships" xmlns:p="http://schemas.openxmlformats.org/presentationml/2006/main" type="tx">
   <p:cSld name="Photo - 3 Up">
     <p:spTree>
       <p:nvGrpSpPr>
@@ -1360,7 +1369,7 @@
   <p:clrMapOvr>
     <a:masterClrMapping/>
   </p:clrMapOvr>
-  <p:transition spd="med" advClick="1"/>
+  <p:transition spd="med"/>
 </p:sldLayout>
 </file>
 
@@ -1372,6 +1381,7 @@
         <a:solidFill>
           <a:srgbClr val="FFFFFF"/>
         </a:solidFill>
+        <a:effectLst/>
       </p:bgPr>
     </p:bg>
     <p:spTree>
@@ -1391,7 +1401,9 @@
       <p:sp>
         <p:nvSpPr>
           <p:cNvPr id="2" name="Shape 2"/>
-          <p:cNvSpPr/>
+          <p:cNvSpPr>
+            <a:spLocks noGrp="1"/>
+          </p:cNvSpPr>
           <p:nvPr>
             <p:ph type="title"/>
           </p:nvPr>
@@ -1409,13 +1421,13 @@
           </a:ln>
           <a:extLst>
             <a:ext uri="{C572A759-6A51-4108-AA02-DFA0A04FC94B}">
-              <ma14:wrappingTextBoxFlag xmlns:ma14="http://schemas.microsoft.com/office/mac/drawingml/2011/main" val="1"/>
+              <ma14:wrappingTextBoxFlag xmlns:ma14="http://schemas.microsoft.com/office/mac/drawingml/2011/main" xmlns="" val="1"/>
             </a:ext>
           </a:extLst>
         </p:spPr>
         <p:txBody>
           <a:bodyPr lIns="0" tIns="0" rIns="0" bIns="0" anchor="ctr">
-            <a:normAutofit fontScale="100000" lnSpcReduction="0"/>
+            <a:normAutofit/>
           </a:bodyPr>
           <a:lstStyle/>
           <a:p>
@@ -1432,7 +1444,9 @@
       <p:sp>
         <p:nvSpPr>
           <p:cNvPr id="3" name="Shape 3"/>
-          <p:cNvSpPr/>
+          <p:cNvSpPr>
+            <a:spLocks noGrp="1"/>
+          </p:cNvSpPr>
           <p:nvPr>
             <p:ph type="body" idx="1"/>
           </p:nvPr>
@@ -1450,13 +1464,13 @@
           </a:ln>
           <a:extLst>
             <a:ext uri="{C572A759-6A51-4108-AA02-DFA0A04FC94B}">
-              <ma14:wrappingTextBoxFlag xmlns:ma14="http://schemas.microsoft.com/office/mac/drawingml/2011/main" val="1"/>
+              <ma14:wrappingTextBoxFlag xmlns:ma14="http://schemas.microsoft.com/office/mac/drawingml/2011/main" xmlns="" val="1"/>
             </a:ext>
           </a:extLst>
         </p:spPr>
         <p:txBody>
           <a:bodyPr lIns="0" tIns="0" rIns="0" bIns="0" anchor="ctr">
-            <a:normAutofit fontScale="100000" lnSpcReduction="0"/>
+            <a:normAutofit/>
           </a:bodyPr>
           <a:lstStyle/>
           <a:p>
@@ -1467,7 +1481,6 @@
               <a:rPr sz="3600"/>
               <a:t>Body Level One</a:t>
             </a:r>
-            <a:endParaRPr sz="3600"/>
           </a:p>
           <a:p>
             <a:pPr lvl="1">
@@ -1477,7 +1490,6 @@
               <a:rPr sz="3600"/>
               <a:t>Body Level Two</a:t>
             </a:r>
-            <a:endParaRPr sz="3600"/>
           </a:p>
           <a:p>
             <a:pPr lvl="2">
@@ -1487,7 +1499,6 @@
               <a:rPr sz="3600"/>
               <a:t>Body Level Three</a:t>
             </a:r>
-            <a:endParaRPr sz="3600"/>
           </a:p>
           <a:p>
             <a:pPr lvl="3">
@@ -1497,7 +1508,6 @@
               <a:rPr sz="3600"/>
               <a:t>Body Level Four</a:t>
             </a:r>
-            <a:endParaRPr sz="3600"/>
           </a:p>
           <a:p>
             <a:pPr lvl="4">
@@ -1514,20 +1524,20 @@
   </p:cSld>
   <p:clrMap bg1="lt1" tx1="dk1" bg2="lt2" tx2="dk2" accent1="accent1" accent2="accent2" accent3="accent3" accent4="accent4" accent5="accent5" accent6="accent6" hlink="hlink" folHlink="folHlink"/>
   <p:sldLayoutIdLst>
-    <p:sldLayoutId id="2147483649" r:id="rId2"/>
-    <p:sldLayoutId id="2147483650" r:id="rId3"/>
-    <p:sldLayoutId id="2147483651" r:id="rId4"/>
-    <p:sldLayoutId id="2147483652" r:id="rId5"/>
-    <p:sldLayoutId id="2147483653" r:id="rId6"/>
-    <p:sldLayoutId id="2147483654" r:id="rId7"/>
-    <p:sldLayoutId id="2147483655" r:id="rId8"/>
-    <p:sldLayoutId id="2147483656" r:id="rId9"/>
-    <p:sldLayoutId id="2147483657" r:id="rId10"/>
-    <p:sldLayoutId id="2147483658" r:id="rId11"/>
-    <p:sldLayoutId id="2147483659" r:id="rId12"/>
-    <p:sldLayoutId id="2147483660" r:id="rId13"/>
+    <p:sldLayoutId id="2147483649" r:id="rId1"/>
+    <p:sldLayoutId id="2147483650" r:id="rId2"/>
+    <p:sldLayoutId id="2147483651" r:id="rId3"/>
+    <p:sldLayoutId id="2147483652" r:id="rId4"/>
+    <p:sldLayoutId id="2147483653" r:id="rId5"/>
+    <p:sldLayoutId id="2147483654" r:id="rId6"/>
+    <p:sldLayoutId id="2147483655" r:id="rId7"/>
+    <p:sldLayoutId id="2147483656" r:id="rId8"/>
+    <p:sldLayoutId id="2147483657" r:id="rId9"/>
+    <p:sldLayoutId id="2147483658" r:id="rId10"/>
+    <p:sldLayoutId id="2147483659" r:id="rId11"/>
+    <p:sldLayoutId id="2147483660" r:id="rId12"/>
   </p:sldLayoutIdLst>
-  <p:transition spd="med" advClick="1"/>
+  <p:transition spd="med"/>
   <p:txStyles>
     <p:titleStyle>
       <a:lvl1pPr algn="ctr" defTabSz="584200">
@@ -1828,7 +1838,7 @@
 </file>
 
 <file path=ppt/slides/slide1.xml><?xml version="1.0" encoding="utf-8"?>
-<p:sld xmlns:a="http://schemas.openxmlformats.org/drawingml/2006/main" xmlns:r="http://schemas.openxmlformats.org/officeDocument/2006/relationships" xmlns:p="http://schemas.openxmlformats.org/presentationml/2006/main" showMasterSp="1" showMasterPhAnim="1">
+<p:sld xmlns:a="http://schemas.openxmlformats.org/drawingml/2006/main" xmlns:r="http://schemas.openxmlformats.org/officeDocument/2006/relationships" xmlns:p="http://schemas.openxmlformats.org/presentationml/2006/main">
   <p:cSld>
     <p:spTree>
       <p:nvGrpSpPr>
@@ -1851,9 +1861,7 @@
           <p:nvPr/>
         </p:nvPicPr>
         <p:blipFill>
-          <a:blip r:embed="rId2">
-            <a:extLst/>
-          </a:blip>
+          <a:blip r:embed="rId2"/>
           <a:stretch>
             <a:fillRect/>
           </a:stretch>
@@ -1873,7 +1881,7 @@
             <a:miter lim="400000"/>
           </a:ln>
           <a:effectLst>
-            <a:outerShdw sx="100000" sy="100000" kx="0" ky="0" algn="b" rotWithShape="0" blurRad="50800" dist="25400" dir="3600000">
+            <a:outerShdw blurRad="50800" dist="25400" dir="3600000" rotWithShape="0">
               <a:srgbClr val="000000">
                 <a:alpha val="70000"/>
               </a:srgbClr>
@@ -1889,7 +1897,7 @@
         </p:nvSpPr>
         <p:spPr>
           <a:xfrm>
-            <a:off x="1155700" y="4165600"/>
+            <a:off x="1153018" y="4251424"/>
             <a:ext cx="1862686" cy="745233"/>
           </a:xfrm>
           <a:prstGeom prst="rect">
@@ -1902,7 +1910,7 @@
             <a:miter lim="400000"/>
           </a:ln>
           <a:effectLst>
-            <a:outerShdw sx="100000" sy="100000" kx="0" ky="0" algn="b" rotWithShape="0" blurRad="38100" dist="25400" dir="5400000">
+            <a:outerShdw blurRad="38100" dist="25400" dir="5400000" rotWithShape="0">
               <a:srgbClr val="000000">
                 <a:alpha val="50000"/>
               </a:srgbClr>
@@ -1916,6 +1924,7 @@
             <a:pPr lvl="0">
               <a:defRPr sz="2400"/>
             </a:pPr>
+            <a:endParaRPr/>
           </a:p>
         </p:txBody>
       </p:sp>
@@ -1927,7 +1936,7 @@
         </p:nvSpPr>
         <p:spPr>
           <a:xfrm>
-            <a:off x="1130669" y="4271516"/>
+            <a:off x="1146765" y="4381280"/>
             <a:ext cx="1912748" cy="533401"/>
           </a:xfrm>
           <a:prstGeom prst="rect">
@@ -1938,7 +1947,7 @@
           </a:ln>
           <a:extLst>
             <a:ext uri="{C572A759-6A51-4108-AA02-DFA0A04FC94B}">
-              <ma14:wrappingTextBoxFlag xmlns:ma14="http://schemas.microsoft.com/office/mac/drawingml/2011/main" val="1"/>
+              <ma14:wrappingTextBoxFlag xmlns:ma14="http://schemas.microsoft.com/office/mac/drawingml/2011/main" xmlns="" val="1"/>
             </a:ext>
           </a:extLst>
         </p:spPr>
@@ -1952,17 +1961,16 @@
               <a:defRPr sz="1800"/>
             </a:pPr>
             <a:r>
-              <a:rPr sz="1400"/>
+              <a:rPr sz="1400" dirty="0"/>
               <a:t>positive and negative </a:t>
             </a:r>
-            <a:endParaRPr sz="1400"/>
           </a:p>
           <a:p>
             <a:pPr lvl="0">
               <a:defRPr sz="1800"/>
             </a:pPr>
             <a:r>
-              <a:rPr sz="1400"/>
+              <a:rPr sz="1400" dirty="0"/>
               <a:t>examples</a:t>
             </a:r>
           </a:p>
@@ -1991,7 +1999,7 @@
             <a:miter lim="400000"/>
           </a:ln>
           <a:effectLst>
-            <a:outerShdw sx="100000" sy="100000" kx="0" ky="0" algn="b" rotWithShape="0" blurRad="38100" dist="25400" dir="5400000">
+            <a:outerShdw blurRad="38100" dist="25400" dir="5400000" rotWithShape="0">
               <a:srgbClr val="000000">
                 <a:alpha val="50000"/>
               </a:srgbClr>
@@ -2005,6 +2013,7 @@
             <a:pPr lvl="0">
               <a:defRPr sz="2400"/>
             </a:pPr>
+            <a:endParaRPr/>
           </a:p>
         </p:txBody>
       </p:sp>
@@ -2016,7 +2025,7 @@
         </p:nvSpPr>
         <p:spPr>
           <a:xfrm>
-            <a:off x="3556657" y="2621480"/>
+            <a:off x="3599746" y="2636173"/>
             <a:ext cx="1141686" cy="533401"/>
           </a:xfrm>
           <a:prstGeom prst="rect">
@@ -2027,7 +2036,7 @@
           </a:ln>
           <a:extLst>
             <a:ext uri="{C572A759-6A51-4108-AA02-DFA0A04FC94B}">
-              <ma14:wrappingTextBoxFlag xmlns:ma14="http://schemas.microsoft.com/office/mac/drawingml/2011/main" val="1"/>
+              <ma14:wrappingTextBoxFlag xmlns:ma14="http://schemas.microsoft.com/office/mac/drawingml/2011/main" xmlns="" val="1"/>
             </a:ext>
           </a:extLst>
         </p:spPr>
@@ -2041,17 +2050,16 @@
               <a:defRPr sz="1800"/>
             </a:pPr>
             <a:r>
-              <a:rPr b="1" sz="1400"/>
+              <a:rPr sz="1400" b="1" dirty="0"/>
               <a:t>Fault </a:t>
             </a:r>
-            <a:endParaRPr b="1" sz="1400"/>
           </a:p>
           <a:p>
             <a:pPr lvl="0">
               <a:defRPr sz="1800"/>
             </a:pPr>
             <a:r>
-              <a:rPr b="1" sz="1400"/>
+              <a:rPr sz="1400" b="1" dirty="0"/>
               <a:t>Localization</a:t>
             </a:r>
           </a:p>
@@ -2084,6 +2092,7 @@
             <a:pPr lvl="0">
               <a:defRPr sz="2400"/>
             </a:pPr>
+            <a:endParaRPr/>
           </a:p>
         </p:txBody>
       </p:sp>
@@ -2095,8 +2104,8 @@
         </p:nvSpPr>
         <p:spPr>
           <a:xfrm flipV="1">
-            <a:off x="3015704" y="3329550"/>
-            <a:ext cx="452705" cy="1021270"/>
+            <a:off x="3015704" y="3397714"/>
+            <a:ext cx="520357" cy="953106"/>
           </a:xfrm>
           <a:prstGeom prst="line">
             <a:avLst/>
@@ -2114,6 +2123,7 @@
             <a:pPr lvl="0">
               <a:defRPr sz="2400"/>
             </a:pPr>
+            <a:endParaRPr/>
           </a:p>
         </p:txBody>
       </p:sp>
@@ -2125,8 +2135,8 @@
         </p:nvSpPr>
         <p:spPr>
           <a:xfrm>
-            <a:off x="4171404" y="3420081"/>
-            <a:ext cx="1" cy="632996"/>
+            <a:off x="4127500" y="3437936"/>
+            <a:ext cx="0" cy="626331"/>
           </a:xfrm>
           <a:prstGeom prst="line">
             <a:avLst/>
@@ -2144,6 +2154,7 @@
             <a:pPr lvl="0">
               <a:defRPr sz="2400"/>
             </a:pPr>
+            <a:endParaRPr/>
           </a:p>
         </p:txBody>
       </p:sp>
@@ -2155,7 +2166,7 @@
         </p:nvSpPr>
         <p:spPr>
           <a:xfrm>
-            <a:off x="4179190" y="3478248"/>
+            <a:off x="4127500" y="3480914"/>
             <a:ext cx="967207" cy="533401"/>
           </a:xfrm>
           <a:prstGeom prst="rect">
@@ -2166,7 +2177,7 @@
           </a:ln>
           <a:extLst>
             <a:ext uri="{C572A759-6A51-4108-AA02-DFA0A04FC94B}">
-              <ma14:wrappingTextBoxFlag xmlns:ma14="http://schemas.microsoft.com/office/mac/drawingml/2011/main" val="1"/>
+              <ma14:wrappingTextBoxFlag xmlns:ma14="http://schemas.microsoft.com/office/mac/drawingml/2011/main" xmlns="" val="1"/>
             </a:ext>
           </a:extLst>
         </p:spPr>
@@ -2180,17 +2191,16 @@
               <a:defRPr sz="1800"/>
             </a:pPr>
             <a:r>
-              <a:rPr sz="1400"/>
+              <a:rPr sz="1400" dirty="0"/>
               <a:t>important </a:t>
             </a:r>
-            <a:endParaRPr sz="1400"/>
           </a:p>
           <a:p>
             <a:pPr lvl="0">
               <a:defRPr sz="1800"/>
             </a:pPr>
             <a:r>
-              <a:rPr sz="1400"/>
+              <a:rPr sz="1400" dirty="0"/>
               <a:t>weights</a:t>
             </a:r>
           </a:p>
@@ -2204,7 +2214,7 @@
         </p:nvSpPr>
         <p:spPr>
           <a:xfrm>
-            <a:off x="3620814" y="4252466"/>
+            <a:off x="3642596" y="4258545"/>
             <a:ext cx="1013372" cy="749301"/>
           </a:xfrm>
           <a:prstGeom prst="rect">
@@ -2215,7 +2225,7 @@
           </a:ln>
           <a:extLst>
             <a:ext uri="{C572A759-6A51-4108-AA02-DFA0A04FC94B}">
-              <ma14:wrappingTextBoxFlag xmlns:ma14="http://schemas.microsoft.com/office/mac/drawingml/2011/main" val="1"/>
+              <ma14:wrappingTextBoxFlag xmlns:ma14="http://schemas.microsoft.com/office/mac/drawingml/2011/main" xmlns="" val="1"/>
             </a:ext>
           </a:extLst>
         </p:spPr>
@@ -2229,27 +2239,25 @@
               <a:defRPr sz="1800"/>
             </a:pPr>
             <a:r>
-              <a:rPr b="1" sz="1400"/>
+              <a:rPr sz="1400" b="1" dirty="0"/>
               <a:t>Concolic</a:t>
             </a:r>
-            <a:endParaRPr b="1" sz="1400"/>
           </a:p>
           <a:p>
             <a:pPr lvl="0">
               <a:defRPr sz="1800"/>
             </a:pPr>
             <a:r>
-              <a:rPr b="1" sz="1400"/>
+              <a:rPr sz="1400" b="1" dirty="0"/>
               <a:t>Execution</a:t>
             </a:r>
-            <a:endParaRPr b="1" sz="1400"/>
           </a:p>
           <a:p>
             <a:pPr lvl="0">
               <a:defRPr sz="1800"/>
             </a:pPr>
             <a:r>
-              <a:rPr b="1" sz="1400"/>
+              <a:rPr sz="1400" b="1" dirty="0"/>
               <a:t>(SPF)</a:t>
             </a:r>
           </a:p>
@@ -2264,9 +2272,9 @@
         <p:grpSpPr>
           <a:xfrm>
             <a:off x="5246661" y="4199295"/>
-            <a:ext cx="1862687" cy="745233"/>
+            <a:ext cx="1862688" cy="745234"/>
             <a:chOff x="0" y="0"/>
-            <a:chExt cx="1862685" cy="745232"/>
+            <a:chExt cx="1862686" cy="745233"/>
           </a:xfrm>
         </p:grpSpPr>
         <p:sp>
@@ -2292,7 +2300,7 @@
               <a:miter lim="400000"/>
             </a:ln>
             <a:effectLst>
-              <a:outerShdw sx="100000" sy="100000" kx="0" ky="0" algn="b" rotWithShape="0" blurRad="38100" dist="25400" dir="5400000">
+              <a:outerShdw blurRad="38100" dist="25400" dir="5400000" rotWithShape="0">
                 <a:srgbClr val="000000">
                   <a:alpha val="50000"/>
                 </a:srgbClr>
@@ -2308,6 +2316,7 @@
               <a:pPr lvl="0">
                 <a:defRPr sz="2400"/>
               </a:pPr>
+              <a:endParaRPr/>
             </a:p>
           </p:txBody>
         </p:sp>
@@ -2319,7 +2328,7 @@
           </p:nvSpPr>
           <p:spPr>
             <a:xfrm>
-              <a:off x="184151" y="213866"/>
+              <a:off x="178355" y="243670"/>
               <a:ext cx="1494384" cy="317501"/>
             </a:xfrm>
             <a:prstGeom prst="rect">
@@ -2333,7 +2342,7 @@
             <a:effectLst/>
             <a:extLst>
               <a:ext uri="{C572A759-6A51-4108-AA02-DFA0A04FC94B}">
-                <ma14:wrappingTextBoxFlag xmlns:ma14="http://schemas.microsoft.com/office/mac/drawingml/2011/main" val="1"/>
+                <ma14:wrappingTextBoxFlag xmlns:ma14="http://schemas.microsoft.com/office/mac/drawingml/2011/main" xmlns="" val="1"/>
               </a:ext>
             </a:extLst>
           </p:spPr>
@@ -2351,7 +2360,7 @@
                 <a:defRPr sz="1800"/>
               </a:pPr>
               <a:r>
-                <a:rPr sz="1400"/>
+                <a:rPr sz="1400" dirty="0"/>
                 <a:t>repair constraints</a:t>
               </a:r>
             </a:p>
@@ -2367,9 +2376,9 @@
         <p:grpSpPr>
           <a:xfrm>
             <a:off x="7558430" y="4109431"/>
-            <a:ext cx="1270001" cy="1026561"/>
+            <a:ext cx="1270001" cy="1026562"/>
             <a:chOff x="0" y="0"/>
-            <a:chExt cx="1270000" cy="1026560"/>
+            <a:chExt cx="1270000" cy="1026561"/>
           </a:xfrm>
         </p:grpSpPr>
         <p:sp>
@@ -2397,7 +2406,7 @@
               <a:miter lim="400000"/>
             </a:ln>
             <a:effectLst>
-              <a:outerShdw sx="100000" sy="100000" kx="0" ky="0" algn="b" rotWithShape="0" blurRad="38100" dist="25400" dir="5400000">
+              <a:outerShdw blurRad="38100" dist="25400" dir="5400000" rotWithShape="0">
                 <a:srgbClr val="000000">
                   <a:alpha val="50000"/>
                 </a:srgbClr>
@@ -2413,6 +2422,7 @@
               <a:pPr lvl="0">
                 <a:defRPr sz="2400"/>
               </a:pPr>
+              <a:endParaRPr/>
             </a:p>
           </p:txBody>
         </p:sp>
@@ -2424,7 +2434,7 @@
           </p:nvSpPr>
           <p:spPr>
             <a:xfrm>
-              <a:off x="108650" y="137924"/>
+              <a:off x="113233" y="163898"/>
               <a:ext cx="1052700" cy="749301"/>
             </a:xfrm>
             <a:prstGeom prst="rect">
@@ -2438,7 +2448,7 @@
             <a:effectLst/>
             <a:extLst>
               <a:ext uri="{C572A759-6A51-4108-AA02-DFA0A04FC94B}">
-                <ma14:wrappingTextBoxFlag xmlns:ma14="http://schemas.microsoft.com/office/mac/drawingml/2011/main" val="1"/>
+                <ma14:wrappingTextBoxFlag xmlns:ma14="http://schemas.microsoft.com/office/mac/drawingml/2011/main" xmlns="" val="1"/>
               </a:ext>
             </a:extLst>
           </p:spPr>
@@ -2452,27 +2462,25 @@
                 <a:defRPr sz="1800"/>
               </a:pPr>
               <a:r>
-                <a:rPr b="1" sz="1400"/>
+                <a:rPr sz="1400" b="1" dirty="0"/>
                 <a:t>Constraint</a:t>
               </a:r>
-              <a:endParaRPr b="1" sz="1400"/>
             </a:p>
             <a:p>
               <a:pPr lvl="0">
                 <a:defRPr sz="1800"/>
               </a:pPr>
               <a:r>
-                <a:rPr b="1" sz="1400"/>
+                <a:rPr sz="1400" b="1" dirty="0"/>
                 <a:t>Solving</a:t>
               </a:r>
-              <a:endParaRPr b="1" sz="1400"/>
             </a:p>
             <a:p>
               <a:pPr lvl="0">
                 <a:defRPr sz="1800"/>
               </a:pPr>
               <a:r>
-                <a:rPr b="1" sz="1400"/>
+                <a:rPr sz="1400" b="1" dirty="0"/>
                 <a:t>(Z3)</a:t>
               </a:r>
             </a:p>
@@ -2498,7 +2506,7 @@
           </a:ln>
           <a:extLst>
             <a:ext uri="{C572A759-6A51-4108-AA02-DFA0A04FC94B}">
-              <ma14:wrappingTextBoxFlag xmlns:ma14="http://schemas.microsoft.com/office/mac/drawingml/2011/main" val="1"/>
+              <ma14:wrappingTextBoxFlag xmlns:ma14="http://schemas.microsoft.com/office/mac/drawingml/2011/main" xmlns="" val="1"/>
             </a:ext>
           </a:extLst>
         </p:spPr>
@@ -2531,9 +2539,9 @@
         <p:grpSpPr>
           <a:xfrm>
             <a:off x="9297961" y="3397714"/>
-            <a:ext cx="2979779" cy="1906212"/>
+            <a:ext cx="2698110" cy="1906213"/>
             <a:chOff x="0" y="0"/>
-            <a:chExt cx="2979777" cy="1906210"/>
+            <a:chExt cx="2698108" cy="1906211"/>
           </a:xfrm>
         </p:grpSpPr>
         <p:pic>
@@ -2543,9 +2551,7 @@
             <p:nvPr/>
           </p:nvPicPr>
           <p:blipFill>
-            <a:blip r:embed="rId2">
-              <a:extLst/>
-            </a:blip>
+            <a:blip r:embed="rId2"/>
             <a:stretch>
               <a:fillRect/>
             </a:stretch>
@@ -2566,7 +2572,7 @@
               <a:miter lim="400000"/>
             </a:ln>
             <a:effectLst>
-              <a:outerShdw sx="100000" sy="100000" kx="0" ky="0" algn="b" rotWithShape="0" blurRad="50800" dist="25400" dir="3600000">
+              <a:outerShdw blurRad="50800" dist="25400" dir="3600000" rotWithShape="0">
                 <a:srgbClr val="000000">
                   <a:alpha val="70000"/>
                 </a:srgbClr>
@@ -2581,9 +2587,7 @@
             <p:nvPr/>
           </p:nvPicPr>
           <p:blipFill>
-            <a:blip r:embed="rId2">
-              <a:extLst/>
-            </a:blip>
+            <a:blip r:embed="rId2"/>
             <a:stretch>
               <a:fillRect/>
             </a:stretch>
@@ -2604,7 +2608,7 @@
               <a:miter lim="400000"/>
             </a:ln>
             <a:effectLst>
-              <a:outerShdw sx="100000" sy="100000" kx="0" ky="0" algn="b" rotWithShape="0" blurRad="50800" dist="25400" dir="3600000">
+              <a:outerShdw blurRad="50800" dist="25400" dir="3600000" rotWithShape="0">
                 <a:srgbClr val="000000">
                   <a:alpha val="70000"/>
                 </a:srgbClr>
@@ -2619,9 +2623,7 @@
             <p:nvPr/>
           </p:nvPicPr>
           <p:blipFill>
-            <a:blip r:embed="rId2">
-              <a:extLst/>
-            </a:blip>
+            <a:blip r:embed="rId2"/>
             <a:stretch>
               <a:fillRect/>
             </a:stretch>
@@ -2642,7 +2644,7 @@
               <a:miter lim="400000"/>
             </a:ln>
             <a:effectLst>
-              <a:outerShdw sx="100000" sy="100000" kx="0" ky="0" algn="b" rotWithShape="0" blurRad="50800" dist="25400" dir="3600000">
+              <a:outerShdw blurRad="50800" dist="25400" dir="3600000" rotWithShape="0">
                 <a:srgbClr val="000000">
                   <a:alpha val="70000"/>
                 </a:srgbClr>
@@ -2658,7 +2660,7 @@
           </p:nvSpPr>
           <p:spPr>
             <a:xfrm>
-              <a:off x="1419785" y="0"/>
+              <a:off x="1134975" y="0"/>
               <a:ext cx="1559993" cy="317500"/>
             </a:xfrm>
             <a:prstGeom prst="rect">
@@ -2672,7 +2674,7 @@
             <a:effectLst/>
             <a:extLst>
               <a:ext uri="{C572A759-6A51-4108-AA02-DFA0A04FC94B}">
-                <ma14:wrappingTextBoxFlag xmlns:ma14="http://schemas.microsoft.com/office/mac/drawingml/2011/main" val="1"/>
+                <ma14:wrappingTextBoxFlag xmlns:ma14="http://schemas.microsoft.com/office/mac/drawingml/2011/main" xmlns="" val="1"/>
               </a:ext>
             </a:extLst>
           </p:spPr>
@@ -2690,7 +2692,7 @@
                 <a:defRPr sz="1800"/>
               </a:pPr>
               <a:r>
-                <a:rPr sz="1400"/>
+                <a:rPr sz="1400" dirty="0"/>
                 <a:t>combined experts</a:t>
               </a:r>
             </a:p>
@@ -2719,7 +2721,7 @@
               <a:miter lim="400000"/>
             </a:ln>
             <a:effectLst>
-              <a:outerShdw sx="100000" sy="100000" kx="0" ky="0" algn="b" rotWithShape="0" blurRad="38100" dist="25400" dir="5400000">
+              <a:outerShdw blurRad="38100" dist="25400" dir="5400000" rotWithShape="0">
                 <a:srgbClr val="000000">
                   <a:alpha val="50000"/>
                 </a:srgbClr>
@@ -2735,6 +2737,7 @@
               <a:pPr lvl="0">
                 <a:defRPr sz="2400"/>
               </a:pPr>
+              <a:endParaRPr/>
             </a:p>
           </p:txBody>
         </p:sp>
@@ -2762,7 +2765,7 @@
             <a:miter lim="400000"/>
           </a:ln>
           <a:effectLst>
-            <a:outerShdw sx="100000" sy="100000" kx="0" ky="0" algn="b" rotWithShape="0" blurRad="38100" dist="25400" dir="5400000">
+            <a:outerShdw blurRad="38100" dist="25400" dir="5400000" rotWithShape="0">
               <a:srgbClr val="000000">
                 <a:alpha val="50000"/>
               </a:srgbClr>
@@ -2776,6 +2779,7 @@
             <a:pPr lvl="0">
               <a:defRPr sz="2400"/>
             </a:pPr>
+            <a:endParaRPr/>
           </a:p>
         </p:txBody>
       </p:sp>
@@ -2787,8 +2791,8 @@
         </p:nvSpPr>
         <p:spPr>
           <a:xfrm>
-            <a:off x="3004135" y="4627116"/>
-            <a:ext cx="468883" cy="1"/>
+            <a:off x="3008340" y="4627117"/>
+            <a:ext cx="472044" cy="0"/>
           </a:xfrm>
           <a:prstGeom prst="line">
             <a:avLst/>
@@ -2806,6 +2810,7 @@
             <a:pPr lvl="0">
               <a:defRPr sz="2400"/>
             </a:pPr>
+            <a:endParaRPr/>
           </a:p>
         </p:txBody>
       </p:sp>
@@ -2818,7 +2823,7 @@
         <p:spPr>
           <a:xfrm>
             <a:off x="3079089" y="3156904"/>
-            <a:ext cx="448621" cy="1047022"/>
+            <a:ext cx="541724" cy="925259"/>
           </a:xfrm>
           <a:prstGeom prst="line">
             <a:avLst/>
@@ -2836,6 +2841,7 @@
             <a:pPr lvl="0">
               <a:defRPr sz="2400"/>
             </a:pPr>
+            <a:endParaRPr/>
           </a:p>
         </p:txBody>
       </p:sp>
@@ -2847,8 +2853,8 @@
         </p:nvSpPr>
         <p:spPr>
           <a:xfrm>
-            <a:off x="4781982" y="4627116"/>
-            <a:ext cx="468883" cy="1"/>
+            <a:off x="4784283" y="4627116"/>
+            <a:ext cx="462378" cy="0"/>
           </a:xfrm>
           <a:prstGeom prst="line">
             <a:avLst/>
@@ -2866,6 +2872,7 @@
             <a:pPr lvl="0">
               <a:defRPr sz="2400"/>
             </a:pPr>
+            <a:endParaRPr/>
           </a:p>
         </p:txBody>
       </p:sp>
@@ -2876,9 +2883,9 @@
           <p:nvPr/>
         </p:nvSpPr>
         <p:spPr>
-          <a:xfrm>
-            <a:off x="7106082" y="4627116"/>
-            <a:ext cx="468883" cy="1"/>
+          <a:xfrm flipV="1">
+            <a:off x="7143942" y="4627116"/>
+            <a:ext cx="407223" cy="0"/>
           </a:xfrm>
           <a:prstGeom prst="line">
             <a:avLst/>
@@ -2896,6 +2903,7 @@
             <a:pPr lvl="0">
               <a:defRPr sz="2400"/>
             </a:pPr>
+            <a:endParaRPr/>
           </a:p>
         </p:txBody>
       </p:sp>
@@ -2907,8 +2915,8 @@
         </p:nvSpPr>
         <p:spPr>
           <a:xfrm>
-            <a:off x="8832191" y="4627116"/>
-            <a:ext cx="468883" cy="1"/>
+            <a:off x="8852640" y="4627116"/>
+            <a:ext cx="445321" cy="0"/>
           </a:xfrm>
           <a:prstGeom prst="line">
             <a:avLst/>
@@ -2926,6 +2934,7 @@
             <a:pPr lvl="0">
               <a:defRPr sz="2400"/>
             </a:pPr>
+            <a:endParaRPr/>
           </a:p>
         </p:txBody>
       </p:sp>
@@ -2934,12 +2943,12 @@
   <p:clrMapOvr>
     <a:masterClrMapping/>
   </p:clrMapOvr>
-  <p:transition spd="med" advClick="1"/>
+  <p:transition spd="med"/>
 </p:sld>
 </file>
 
 <file path=ppt/theme/theme1.xml><?xml version="1.0" encoding="utf-8"?>
-<a:theme xmlns:a="http://schemas.openxmlformats.org/drawingml/2006/main" xmlns:r="http://schemas.openxmlformats.org/officeDocument/2006/relationships" name="White">
+<a:theme xmlns:a="http://schemas.openxmlformats.org/drawingml/2006/main" name="White">
   <a:themeElements>
     <a:clrScheme name="White">
       <a:dk1>
@@ -3065,7 +3074,7 @@
       <a:effectStyleLst>
         <a:effectStyle>
           <a:effectLst>
-            <a:outerShdw sx="100000" sy="100000" kx="0" ky="0" algn="b" rotWithShape="0" blurRad="38100" dist="25400" dir="5400000">
+            <a:outerShdw blurRad="38100" dist="25400" dir="5400000" rotWithShape="0">
               <a:srgbClr val="000000">
                 <a:alpha val="50000"/>
               </a:srgbClr>
@@ -3074,7 +3083,7 @@
         </a:effectStyle>
         <a:effectStyle>
           <a:effectLst>
-            <a:outerShdw sx="100000" sy="100000" kx="0" ky="0" algn="b" rotWithShape="0" blurRad="50800" dist="12700" dir="0">
+            <a:outerShdw blurRad="50800" dist="12700" rotWithShape="0">
               <a:srgbClr val="000000">
                 <a:alpha val="50000"/>
               </a:srgbClr>
@@ -3083,7 +3092,7 @@
         </a:effectStyle>
         <a:effectStyle>
           <a:effectLst>
-            <a:outerShdw sx="100000" sy="100000" kx="0" ky="0" algn="b" rotWithShape="0" blurRad="38100" dist="25400" dir="5400000">
+            <a:outerShdw blurRad="38100" dist="25400" dir="5400000" rotWithShape="0">
               <a:srgbClr val="000000">
                 <a:alpha val="50000"/>
               </a:srgbClr>
@@ -3147,8 +3156,8 @@
     <a:spDef>
       <a:spPr>
         <a:blipFill rotWithShape="1">
-          <a:blip r:embed="rId1"/>
-          <a:srcRect l="0" t="0" r="0" b="0"/>
+          <a:blip xmlns:r="http://schemas.openxmlformats.org/officeDocument/2006/relationships" r:embed="rId1"/>
+          <a:srcRect/>
           <a:tile tx="0" ty="0" sx="100000" sy="100000" flip="none" algn="tl"/>
         </a:blipFill>
         <a:ln w="12700" cap="flat">
@@ -3156,14 +3165,14 @@
           <a:miter lim="400000"/>
         </a:ln>
         <a:effectLst>
-          <a:outerShdw sx="100000" sy="100000" kx="0" ky="0" algn="b" rotWithShape="0" blurRad="38100" dist="25400" dir="5400000">
+          <a:outerShdw blurRad="38100" dist="25400" dir="5400000" rotWithShape="0">
             <a:srgbClr val="000000">
               <a:alpha val="50000"/>
             </a:srgbClr>
           </a:outerShdw>
         </a:effectLst>
       </a:spPr>
-      <a:bodyPr rot="0" spcFirstLastPara="1" vertOverflow="overflow" horzOverflow="overflow" vert="horz" wrap="square" lIns="50800" tIns="50800" rIns="50800" bIns="50800" numCol="1" spcCol="38100" rtlCol="0" anchor="ctr" upright="0">
+      <a:bodyPr rot="0" spcFirstLastPara="1" vertOverflow="overflow" horzOverflow="overflow" vert="horz" wrap="square" lIns="50800" tIns="50800" rIns="50800" bIns="50800" numCol="1" spcCol="38100" rtlCol="0" anchor="ctr">
         <a:spAutoFit/>
       </a:bodyPr>
       <a:lstStyle>
@@ -3182,7 +3191,7 @@
           <a:buFontTx/>
           <a:buNone/>
           <a:tabLst/>
-          <a:defRPr b="0" baseline="0" cap="none" i="0" spc="0" strike="noStrike" sz="2400" u="none" kumimoji="0" normalizeH="0">
+          <a:defRPr kumimoji="0" sz="2400" b="0" i="0" u="none" strike="noStrike" cap="none" spc="0" normalizeH="0" baseline="0">
             <a:ln>
               <a:noFill/>
             </a:ln>
@@ -3212,7 +3221,7 @@
           <a:buFontTx/>
           <a:buNone/>
           <a:tabLst/>
-          <a:defRPr b="0" baseline="0" cap="none" i="0" spc="0" strike="noStrike" sz="1800" u="none" kumimoji="0" normalizeH="0">
+          <a:defRPr kumimoji="0" sz="1800" b="0" i="0" u="none" strike="noStrike" cap="none" spc="0" normalizeH="0" baseline="0">
             <a:ln>
               <a:noFill/>
             </a:ln>
@@ -3238,7 +3247,7 @@
           <a:buFontTx/>
           <a:buNone/>
           <a:tabLst/>
-          <a:defRPr b="0" baseline="0" cap="none" i="0" spc="0" strike="noStrike" sz="1800" u="none" kumimoji="0" normalizeH="0">
+          <a:defRPr kumimoji="0" sz="1800" b="0" i="0" u="none" strike="noStrike" cap="none" spc="0" normalizeH="0" baseline="0">
             <a:ln>
               <a:noFill/>
             </a:ln>
@@ -3264,7 +3273,7 @@
           <a:buFontTx/>
           <a:buNone/>
           <a:tabLst/>
-          <a:defRPr b="0" baseline="0" cap="none" i="0" spc="0" strike="noStrike" sz="1800" u="none" kumimoji="0" normalizeH="0">
+          <a:defRPr kumimoji="0" sz="1800" b="0" i="0" u="none" strike="noStrike" cap="none" spc="0" normalizeH="0" baseline="0">
             <a:ln>
               <a:noFill/>
             </a:ln>
@@ -3290,7 +3299,7 @@
           <a:buFontTx/>
           <a:buNone/>
           <a:tabLst/>
-          <a:defRPr b="0" baseline="0" cap="none" i="0" spc="0" strike="noStrike" sz="1800" u="none" kumimoji="0" normalizeH="0">
+          <a:defRPr kumimoji="0" sz="1800" b="0" i="0" u="none" strike="noStrike" cap="none" spc="0" normalizeH="0" baseline="0">
             <a:ln>
               <a:noFill/>
             </a:ln>
@@ -3316,7 +3325,7 @@
           <a:buFontTx/>
           <a:buNone/>
           <a:tabLst/>
-          <a:defRPr b="0" baseline="0" cap="none" i="0" spc="0" strike="noStrike" sz="1800" u="none" kumimoji="0" normalizeH="0">
+          <a:defRPr kumimoji="0" sz="1800" b="0" i="0" u="none" strike="noStrike" cap="none" spc="0" normalizeH="0" baseline="0">
             <a:ln>
               <a:noFill/>
             </a:ln>
@@ -3342,7 +3351,7 @@
           <a:buFontTx/>
           <a:buNone/>
           <a:tabLst/>
-          <a:defRPr b="0" baseline="0" cap="none" i="0" spc="0" strike="noStrike" sz="1800" u="none" kumimoji="0" normalizeH="0">
+          <a:defRPr kumimoji="0" sz="1800" b="0" i="0" u="none" strike="noStrike" cap="none" spc="0" normalizeH="0" baseline="0">
             <a:ln>
               <a:noFill/>
             </a:ln>
@@ -3368,7 +3377,7 @@
           <a:buFontTx/>
           <a:buNone/>
           <a:tabLst/>
-          <a:defRPr b="0" baseline="0" cap="none" i="0" spc="0" strike="noStrike" sz="1800" u="none" kumimoji="0" normalizeH="0">
+          <a:defRPr kumimoji="0" sz="1800" b="0" i="0" u="none" strike="noStrike" cap="none" spc="0" normalizeH="0" baseline="0">
             <a:ln>
               <a:noFill/>
             </a:ln>
@@ -3394,7 +3403,7 @@
           <a:buFontTx/>
           <a:buNone/>
           <a:tabLst/>
-          <a:defRPr b="0" baseline="0" cap="none" i="0" spc="0" strike="noStrike" sz="1800" u="none" kumimoji="0" normalizeH="0">
+          <a:defRPr kumimoji="0" sz="1800" b="0" i="0" u="none" strike="noStrike" cap="none" spc="0" normalizeH="0" baseline="0">
             <a:ln>
               <a:noFill/>
             </a:ln>
@@ -3420,7 +3429,7 @@
           <a:buFontTx/>
           <a:buNone/>
           <a:tabLst/>
-          <a:defRPr b="0" baseline="0" cap="none" i="0" spc="0" strike="noStrike" sz="1800" u="none" kumimoji="0" normalizeH="0">
+          <a:defRPr kumimoji="0" sz="1800" b="0" i="0" u="none" strike="noStrike" cap="none" spc="0" normalizeH="0" baseline="0">
             <a:ln>
               <a:noFill/>
             </a:ln>
@@ -3433,9 +3442,15 @@
         </a:lvl9pPr>
       </a:lstStyle>
       <a:style>
-        <a:lnRef idx="0"/>
-        <a:fillRef idx="0"/>
-        <a:effectRef idx="0"/>
+        <a:lnRef idx="0">
+          <a:scrgbClr r="0" g="0" b="0"/>
+        </a:lnRef>
+        <a:fillRef idx="0">
+          <a:scrgbClr r="0" g="0" b="0"/>
+        </a:fillRef>
+        <a:effectRef idx="0">
+          <a:scrgbClr r="0" g="0" b="0"/>
+        </a:effectRef>
         <a:fontRef idx="none"/>
       </a:style>
     </a:spDef>
@@ -3451,7 +3466,7 @@
         </a:ln>
         <a:effectLst/>
       </a:spPr>
-      <a:bodyPr rot="0" spcFirstLastPara="1" vertOverflow="overflow" horzOverflow="overflow" vert="horz" wrap="square" lIns="91439" tIns="45719" rIns="91439" bIns="45719" numCol="1" spcCol="38100" rtlCol="0" anchor="t" upright="0">
+      <a:bodyPr rot="0" spcFirstLastPara="1" vertOverflow="overflow" horzOverflow="overflow" vert="horz" wrap="square" lIns="91439" tIns="45719" rIns="91439" bIns="45719" numCol="1" spcCol="38100" rtlCol="0" anchor="t">
         <a:noAutofit/>
       </a:bodyPr>
       <a:lstStyle>
@@ -3470,7 +3485,7 @@
           <a:buFontTx/>
           <a:buNone/>
           <a:tabLst/>
-          <a:defRPr b="0" baseline="0" cap="none" i="0" spc="0" strike="noStrike" sz="1800" u="none" kumimoji="0" normalizeH="0">
+          <a:defRPr kumimoji="0" sz="1800" b="0" i="0" u="none" strike="noStrike" cap="none" spc="0" normalizeH="0" baseline="0">
             <a:ln>
               <a:noFill/>
             </a:ln>
@@ -3496,7 +3511,7 @@
           <a:buFontTx/>
           <a:buNone/>
           <a:tabLst/>
-          <a:defRPr b="0" baseline="0" cap="none" i="0" spc="0" strike="noStrike" sz="1800" u="none" kumimoji="0" normalizeH="0">
+          <a:defRPr kumimoji="0" sz="1800" b="0" i="0" u="none" strike="noStrike" cap="none" spc="0" normalizeH="0" baseline="0">
             <a:ln>
               <a:noFill/>
             </a:ln>
@@ -3522,7 +3537,7 @@
           <a:buFontTx/>
           <a:buNone/>
           <a:tabLst/>
-          <a:defRPr b="0" baseline="0" cap="none" i="0" spc="0" strike="noStrike" sz="1800" u="none" kumimoji="0" normalizeH="0">
+          <a:defRPr kumimoji="0" sz="1800" b="0" i="0" u="none" strike="noStrike" cap="none" spc="0" normalizeH="0" baseline="0">
             <a:ln>
               <a:noFill/>
             </a:ln>
@@ -3548,7 +3563,7 @@
           <a:buFontTx/>
           <a:buNone/>
           <a:tabLst/>
-          <a:defRPr b="0" baseline="0" cap="none" i="0" spc="0" strike="noStrike" sz="1800" u="none" kumimoji="0" normalizeH="0">
+          <a:defRPr kumimoji="0" sz="1800" b="0" i="0" u="none" strike="noStrike" cap="none" spc="0" normalizeH="0" baseline="0">
             <a:ln>
               <a:noFill/>
             </a:ln>
@@ -3574,7 +3589,7 @@
           <a:buFontTx/>
           <a:buNone/>
           <a:tabLst/>
-          <a:defRPr b="0" baseline="0" cap="none" i="0" spc="0" strike="noStrike" sz="1800" u="none" kumimoji="0" normalizeH="0">
+          <a:defRPr kumimoji="0" sz="1800" b="0" i="0" u="none" strike="noStrike" cap="none" spc="0" normalizeH="0" baseline="0">
             <a:ln>
               <a:noFill/>
             </a:ln>
@@ -3600,7 +3615,7 @@
           <a:buFontTx/>
           <a:buNone/>
           <a:tabLst/>
-          <a:defRPr b="0" baseline="0" cap="none" i="0" spc="0" strike="noStrike" sz="1800" u="none" kumimoji="0" normalizeH="0">
+          <a:defRPr kumimoji="0" sz="1800" b="0" i="0" u="none" strike="noStrike" cap="none" spc="0" normalizeH="0" baseline="0">
             <a:ln>
               <a:noFill/>
             </a:ln>
@@ -3626,7 +3641,7 @@
           <a:buFontTx/>
           <a:buNone/>
           <a:tabLst/>
-          <a:defRPr b="0" baseline="0" cap="none" i="0" spc="0" strike="noStrike" sz="1800" u="none" kumimoji="0" normalizeH="0">
+          <a:defRPr kumimoji="0" sz="1800" b="0" i="0" u="none" strike="noStrike" cap="none" spc="0" normalizeH="0" baseline="0">
             <a:ln>
               <a:noFill/>
             </a:ln>
@@ -3652,7 +3667,7 @@
           <a:buFontTx/>
           <a:buNone/>
           <a:tabLst/>
-          <a:defRPr b="0" baseline="0" cap="none" i="0" spc="0" strike="noStrike" sz="1800" u="none" kumimoji="0" normalizeH="0">
+          <a:defRPr kumimoji="0" sz="1800" b="0" i="0" u="none" strike="noStrike" cap="none" spc="0" normalizeH="0" baseline="0">
             <a:ln>
               <a:noFill/>
             </a:ln>
@@ -3678,7 +3693,7 @@
           <a:buFontTx/>
           <a:buNone/>
           <a:tabLst/>
-          <a:defRPr b="0" baseline="0" cap="none" i="0" spc="0" strike="noStrike" sz="1800" u="none" kumimoji="0" normalizeH="0">
+          <a:defRPr kumimoji="0" sz="1800" b="0" i="0" u="none" strike="noStrike" cap="none" spc="0" normalizeH="0" baseline="0">
             <a:ln>
               <a:noFill/>
             </a:ln>
@@ -3704,7 +3719,7 @@
           <a:buFontTx/>
           <a:buNone/>
           <a:tabLst/>
-          <a:defRPr b="0" baseline="0" cap="none" i="0" spc="0" strike="noStrike" sz="1800" u="none" kumimoji="0" normalizeH="0">
+          <a:defRPr kumimoji="0" sz="1800" b="0" i="0" u="none" strike="noStrike" cap="none" spc="0" normalizeH="0" baseline="0">
             <a:ln>
               <a:noFill/>
             </a:ln>
@@ -3717,9 +3732,15 @@
         </a:lvl9pPr>
       </a:lstStyle>
       <a:style>
-        <a:lnRef idx="0"/>
-        <a:fillRef idx="0"/>
-        <a:effectRef idx="0"/>
+        <a:lnRef idx="0">
+          <a:scrgbClr r="0" g="0" b="0"/>
+        </a:lnRef>
+        <a:fillRef idx="0">
+          <a:scrgbClr r="0" g="0" b="0"/>
+        </a:fillRef>
+        <a:effectRef idx="0">
+          <a:scrgbClr r="0" g="0" b="0"/>
+        </a:effectRef>
         <a:fontRef idx="none"/>
       </a:style>
     </a:lnDef>
@@ -3732,7 +3753,7 @@
         </a:ln>
         <a:effectLst/>
       </a:spPr>
-      <a:bodyPr rot="0" spcFirstLastPara="1" vertOverflow="overflow" horzOverflow="overflow" vert="horz" wrap="square" lIns="50800" tIns="50800" rIns="50800" bIns="50800" numCol="1" spcCol="38100" rtlCol="0" anchor="ctr" upright="0">
+      <a:bodyPr rot="0" spcFirstLastPara="1" vertOverflow="overflow" horzOverflow="overflow" vert="horz" wrap="square" lIns="50800" tIns="50800" rIns="50800" bIns="50800" numCol="1" spcCol="38100" rtlCol="0" anchor="ctr">
         <a:spAutoFit/>
       </a:bodyPr>
       <a:lstStyle>
@@ -3751,7 +3772,7 @@
           <a:buFontTx/>
           <a:buNone/>
           <a:tabLst/>
-          <a:defRPr b="0" baseline="0" cap="none" i="0" spc="0" strike="noStrike" sz="3600" u="none" kumimoji="0" normalizeH="0">
+          <a:defRPr kumimoji="0" sz="3600" b="0" i="0" u="none" strike="noStrike" cap="none" spc="0" normalizeH="0" baseline="0">
             <a:ln>
               <a:noFill/>
             </a:ln>
@@ -3781,7 +3802,7 @@
           <a:buFontTx/>
           <a:buNone/>
           <a:tabLst/>
-          <a:defRPr b="0" baseline="0" cap="none" i="0" spc="0" strike="noStrike" sz="1800" u="none" kumimoji="0" normalizeH="0">
+          <a:defRPr kumimoji="0" sz="1800" b="0" i="0" u="none" strike="noStrike" cap="none" spc="0" normalizeH="0" baseline="0">
             <a:ln>
               <a:noFill/>
             </a:ln>
@@ -3807,7 +3828,7 @@
           <a:buFontTx/>
           <a:buNone/>
           <a:tabLst/>
-          <a:defRPr b="0" baseline="0" cap="none" i="0" spc="0" strike="noStrike" sz="1800" u="none" kumimoji="0" normalizeH="0">
+          <a:defRPr kumimoji="0" sz="1800" b="0" i="0" u="none" strike="noStrike" cap="none" spc="0" normalizeH="0" baseline="0">
             <a:ln>
               <a:noFill/>
             </a:ln>
@@ -3833,7 +3854,7 @@
           <a:buFontTx/>
           <a:buNone/>
           <a:tabLst/>
-          <a:defRPr b="0" baseline="0" cap="none" i="0" spc="0" strike="noStrike" sz="1800" u="none" kumimoji="0" normalizeH="0">
+          <a:defRPr kumimoji="0" sz="1800" b="0" i="0" u="none" strike="noStrike" cap="none" spc="0" normalizeH="0" baseline="0">
             <a:ln>
               <a:noFill/>
             </a:ln>
@@ -3859,7 +3880,7 @@
           <a:buFontTx/>
           <a:buNone/>
           <a:tabLst/>
-          <a:defRPr b="0" baseline="0" cap="none" i="0" spc="0" strike="noStrike" sz="1800" u="none" kumimoji="0" normalizeH="0">
+          <a:defRPr kumimoji="0" sz="1800" b="0" i="0" u="none" strike="noStrike" cap="none" spc="0" normalizeH="0" baseline="0">
             <a:ln>
               <a:noFill/>
             </a:ln>
@@ -3885,7 +3906,7 @@
           <a:buFontTx/>
           <a:buNone/>
           <a:tabLst/>
-          <a:defRPr b="0" baseline="0" cap="none" i="0" spc="0" strike="noStrike" sz="1800" u="none" kumimoji="0" normalizeH="0">
+          <a:defRPr kumimoji="0" sz="1800" b="0" i="0" u="none" strike="noStrike" cap="none" spc="0" normalizeH="0" baseline="0">
             <a:ln>
               <a:noFill/>
             </a:ln>
@@ -3911,7 +3932,7 @@
           <a:buFontTx/>
           <a:buNone/>
           <a:tabLst/>
-          <a:defRPr b="0" baseline="0" cap="none" i="0" spc="0" strike="noStrike" sz="1800" u="none" kumimoji="0" normalizeH="0">
+          <a:defRPr kumimoji="0" sz="1800" b="0" i="0" u="none" strike="noStrike" cap="none" spc="0" normalizeH="0" baseline="0">
             <a:ln>
               <a:noFill/>
             </a:ln>
@@ -3937,7 +3958,7 @@
           <a:buFontTx/>
           <a:buNone/>
           <a:tabLst/>
-          <a:defRPr b="0" baseline="0" cap="none" i="0" spc="0" strike="noStrike" sz="1800" u="none" kumimoji="0" normalizeH="0">
+          <a:defRPr kumimoji="0" sz="1800" b="0" i="0" u="none" strike="noStrike" cap="none" spc="0" normalizeH="0" baseline="0">
             <a:ln>
               <a:noFill/>
             </a:ln>
@@ -3963,7 +3984,7 @@
           <a:buFontTx/>
           <a:buNone/>
           <a:tabLst/>
-          <a:defRPr b="0" baseline="0" cap="none" i="0" spc="0" strike="noStrike" sz="1800" u="none" kumimoji="0" normalizeH="0">
+          <a:defRPr kumimoji="0" sz="1800" b="0" i="0" u="none" strike="noStrike" cap="none" spc="0" normalizeH="0" baseline="0">
             <a:ln>
               <a:noFill/>
             </a:ln>
@@ -3989,7 +4010,7 @@
           <a:buFontTx/>
           <a:buNone/>
           <a:tabLst/>
-          <a:defRPr b="0" baseline="0" cap="none" i="0" spc="0" strike="noStrike" sz="1800" u="none" kumimoji="0" normalizeH="0">
+          <a:defRPr kumimoji="0" sz="1800" b="0" i="0" u="none" strike="noStrike" cap="none" spc="0" normalizeH="0" baseline="0">
             <a:ln>
               <a:noFill/>
             </a:ln>
@@ -4002,18 +4023,25 @@
         </a:lvl9pPr>
       </a:lstStyle>
       <a:style>
-        <a:lnRef idx="0"/>
-        <a:fillRef idx="0"/>
-        <a:effectRef idx="0"/>
+        <a:lnRef idx="0">
+          <a:scrgbClr r="0" g="0" b="0"/>
+        </a:lnRef>
+        <a:fillRef idx="0">
+          <a:scrgbClr r="0" g="0" b="0"/>
+        </a:fillRef>
+        <a:effectRef idx="0">
+          <a:scrgbClr r="0" g="0" b="0"/>
+        </a:effectRef>
         <a:fontRef idx="none"/>
       </a:style>
     </a:txDef>
   </a:objectDefaults>
+  <a:extraClrSchemeLst/>
 </a:theme>
 </file>
 
 <file path=ppt/theme/theme2.xml><?xml version="1.0" encoding="utf-8"?>
-<a:theme xmlns:a="http://schemas.openxmlformats.org/drawingml/2006/main" xmlns:r="http://schemas.openxmlformats.org/officeDocument/2006/relationships" name="White">
+<a:theme xmlns:a="http://schemas.openxmlformats.org/drawingml/2006/main" name="White">
   <a:themeElements>
     <a:clrScheme name="White">
       <a:dk1>
@@ -4139,7 +4167,7 @@
       <a:effectStyleLst>
         <a:effectStyle>
           <a:effectLst>
-            <a:outerShdw sx="100000" sy="100000" kx="0" ky="0" algn="b" rotWithShape="0" blurRad="38100" dist="25400" dir="5400000">
+            <a:outerShdw blurRad="38100" dist="25400" dir="5400000" rotWithShape="0">
               <a:srgbClr val="000000">
                 <a:alpha val="50000"/>
               </a:srgbClr>
@@ -4148,7 +4176,7 @@
         </a:effectStyle>
         <a:effectStyle>
           <a:effectLst>
-            <a:outerShdw sx="100000" sy="100000" kx="0" ky="0" algn="b" rotWithShape="0" blurRad="50800" dist="12700" dir="0">
+            <a:outerShdw blurRad="50800" dist="12700" rotWithShape="0">
               <a:srgbClr val="000000">
                 <a:alpha val="50000"/>
               </a:srgbClr>
@@ -4157,7 +4185,7 @@
         </a:effectStyle>
         <a:effectStyle>
           <a:effectLst>
-            <a:outerShdw sx="100000" sy="100000" kx="0" ky="0" algn="b" rotWithShape="0" blurRad="38100" dist="25400" dir="5400000">
+            <a:outerShdw blurRad="38100" dist="25400" dir="5400000" rotWithShape="0">
               <a:srgbClr val="000000">
                 <a:alpha val="50000"/>
               </a:srgbClr>
@@ -4221,8 +4249,8 @@
     <a:spDef>
       <a:spPr>
         <a:blipFill rotWithShape="1">
-          <a:blip r:embed="rId1"/>
-          <a:srcRect l="0" t="0" r="0" b="0"/>
+          <a:blip xmlns:r="http://schemas.openxmlformats.org/officeDocument/2006/relationships" r:embed="rId1"/>
+          <a:srcRect/>
           <a:tile tx="0" ty="0" sx="100000" sy="100000" flip="none" algn="tl"/>
         </a:blipFill>
         <a:ln w="12700" cap="flat">
@@ -4230,14 +4258,14 @@
           <a:miter lim="400000"/>
         </a:ln>
         <a:effectLst>
-          <a:outerShdw sx="100000" sy="100000" kx="0" ky="0" algn="b" rotWithShape="0" blurRad="38100" dist="25400" dir="5400000">
+          <a:outerShdw blurRad="38100" dist="25400" dir="5400000" rotWithShape="0">
             <a:srgbClr val="000000">
               <a:alpha val="50000"/>
             </a:srgbClr>
           </a:outerShdw>
         </a:effectLst>
       </a:spPr>
-      <a:bodyPr rot="0" spcFirstLastPara="1" vertOverflow="overflow" horzOverflow="overflow" vert="horz" wrap="square" lIns="50800" tIns="50800" rIns="50800" bIns="50800" numCol="1" spcCol="38100" rtlCol="0" anchor="ctr" upright="0">
+      <a:bodyPr rot="0" spcFirstLastPara="1" vertOverflow="overflow" horzOverflow="overflow" vert="horz" wrap="square" lIns="50800" tIns="50800" rIns="50800" bIns="50800" numCol="1" spcCol="38100" rtlCol="0" anchor="ctr">
         <a:spAutoFit/>
       </a:bodyPr>
       <a:lstStyle>
@@ -4256,7 +4284,7 @@
           <a:buFontTx/>
           <a:buNone/>
           <a:tabLst/>
-          <a:defRPr b="0" baseline="0" cap="none" i="0" spc="0" strike="noStrike" sz="2400" u="none" kumimoji="0" normalizeH="0">
+          <a:defRPr kumimoji="0" sz="2400" b="0" i="0" u="none" strike="noStrike" cap="none" spc="0" normalizeH="0" baseline="0">
             <a:ln>
               <a:noFill/>
             </a:ln>
@@ -4286,7 +4314,7 @@
           <a:buFontTx/>
           <a:buNone/>
           <a:tabLst/>
-          <a:defRPr b="0" baseline="0" cap="none" i="0" spc="0" strike="noStrike" sz="1800" u="none" kumimoji="0" normalizeH="0">
+          <a:defRPr kumimoji="0" sz="1800" b="0" i="0" u="none" strike="noStrike" cap="none" spc="0" normalizeH="0" baseline="0">
             <a:ln>
               <a:noFill/>
             </a:ln>
@@ -4312,7 +4340,7 @@
           <a:buFontTx/>
           <a:buNone/>
           <a:tabLst/>
-          <a:defRPr b="0" baseline="0" cap="none" i="0" spc="0" strike="noStrike" sz="1800" u="none" kumimoji="0" normalizeH="0">
+          <a:defRPr kumimoji="0" sz="1800" b="0" i="0" u="none" strike="noStrike" cap="none" spc="0" normalizeH="0" baseline="0">
             <a:ln>
               <a:noFill/>
             </a:ln>
@@ -4338,7 +4366,7 @@
           <a:buFontTx/>
           <a:buNone/>
           <a:tabLst/>
-          <a:defRPr b="0" baseline="0" cap="none" i="0" spc="0" strike="noStrike" sz="1800" u="none" kumimoji="0" normalizeH="0">
+          <a:defRPr kumimoji="0" sz="1800" b="0" i="0" u="none" strike="noStrike" cap="none" spc="0" normalizeH="0" baseline="0">
             <a:ln>
               <a:noFill/>
             </a:ln>
@@ -4364,7 +4392,7 @@
           <a:buFontTx/>
           <a:buNone/>
           <a:tabLst/>
-          <a:defRPr b="0" baseline="0" cap="none" i="0" spc="0" strike="noStrike" sz="1800" u="none" kumimoji="0" normalizeH="0">
+          <a:defRPr kumimoji="0" sz="1800" b="0" i="0" u="none" strike="noStrike" cap="none" spc="0" normalizeH="0" baseline="0">
             <a:ln>
               <a:noFill/>
             </a:ln>
@@ -4390,7 +4418,7 @@
           <a:buFontTx/>
           <a:buNone/>
           <a:tabLst/>
-          <a:defRPr b="0" baseline="0" cap="none" i="0" spc="0" strike="noStrike" sz="1800" u="none" kumimoji="0" normalizeH="0">
+          <a:defRPr kumimoji="0" sz="1800" b="0" i="0" u="none" strike="noStrike" cap="none" spc="0" normalizeH="0" baseline="0">
             <a:ln>
               <a:noFill/>
             </a:ln>
@@ -4416,7 +4444,7 @@
           <a:buFontTx/>
           <a:buNone/>
           <a:tabLst/>
-          <a:defRPr b="0" baseline="0" cap="none" i="0" spc="0" strike="noStrike" sz="1800" u="none" kumimoji="0" normalizeH="0">
+          <a:defRPr kumimoji="0" sz="1800" b="0" i="0" u="none" strike="noStrike" cap="none" spc="0" normalizeH="0" baseline="0">
             <a:ln>
               <a:noFill/>
             </a:ln>
@@ -4442,7 +4470,7 @@
           <a:buFontTx/>
           <a:buNone/>
           <a:tabLst/>
-          <a:defRPr b="0" baseline="0" cap="none" i="0" spc="0" strike="noStrike" sz="1800" u="none" kumimoji="0" normalizeH="0">
+          <a:defRPr kumimoji="0" sz="1800" b="0" i="0" u="none" strike="noStrike" cap="none" spc="0" normalizeH="0" baseline="0">
             <a:ln>
               <a:noFill/>
             </a:ln>
@@ -4468,7 +4496,7 @@
           <a:buFontTx/>
           <a:buNone/>
           <a:tabLst/>
-          <a:defRPr b="0" baseline="0" cap="none" i="0" spc="0" strike="noStrike" sz="1800" u="none" kumimoji="0" normalizeH="0">
+          <a:defRPr kumimoji="0" sz="1800" b="0" i="0" u="none" strike="noStrike" cap="none" spc="0" normalizeH="0" baseline="0">
             <a:ln>
               <a:noFill/>
             </a:ln>
@@ -4494,7 +4522,7 @@
           <a:buFontTx/>
           <a:buNone/>
           <a:tabLst/>
-          <a:defRPr b="0" baseline="0" cap="none" i="0" spc="0" strike="noStrike" sz="1800" u="none" kumimoji="0" normalizeH="0">
+          <a:defRPr kumimoji="0" sz="1800" b="0" i="0" u="none" strike="noStrike" cap="none" spc="0" normalizeH="0" baseline="0">
             <a:ln>
               <a:noFill/>
             </a:ln>
@@ -4507,9 +4535,15 @@
         </a:lvl9pPr>
       </a:lstStyle>
       <a:style>
-        <a:lnRef idx="0"/>
-        <a:fillRef idx="0"/>
-        <a:effectRef idx="0"/>
+        <a:lnRef idx="0">
+          <a:scrgbClr r="0" g="0" b="0"/>
+        </a:lnRef>
+        <a:fillRef idx="0">
+          <a:scrgbClr r="0" g="0" b="0"/>
+        </a:fillRef>
+        <a:effectRef idx="0">
+          <a:scrgbClr r="0" g="0" b="0"/>
+        </a:effectRef>
         <a:fontRef idx="none"/>
       </a:style>
     </a:spDef>
@@ -4525,7 +4559,7 @@
         </a:ln>
         <a:effectLst/>
       </a:spPr>
-      <a:bodyPr rot="0" spcFirstLastPara="1" vertOverflow="overflow" horzOverflow="overflow" vert="horz" wrap="square" lIns="91439" tIns="45719" rIns="91439" bIns="45719" numCol="1" spcCol="38100" rtlCol="0" anchor="t" upright="0">
+      <a:bodyPr rot="0" spcFirstLastPara="1" vertOverflow="overflow" horzOverflow="overflow" vert="horz" wrap="square" lIns="91439" tIns="45719" rIns="91439" bIns="45719" numCol="1" spcCol="38100" rtlCol="0" anchor="t">
         <a:noAutofit/>
       </a:bodyPr>
       <a:lstStyle>
@@ -4544,7 +4578,7 @@
           <a:buFontTx/>
           <a:buNone/>
           <a:tabLst/>
-          <a:defRPr b="0" baseline="0" cap="none" i="0" spc="0" strike="noStrike" sz="1800" u="none" kumimoji="0" normalizeH="0">
+          <a:defRPr kumimoji="0" sz="1800" b="0" i="0" u="none" strike="noStrike" cap="none" spc="0" normalizeH="0" baseline="0">
             <a:ln>
               <a:noFill/>
             </a:ln>
@@ -4570,7 +4604,7 @@
           <a:buFontTx/>
           <a:buNone/>
           <a:tabLst/>
-          <a:defRPr b="0" baseline="0" cap="none" i="0" spc="0" strike="noStrike" sz="1800" u="none" kumimoji="0" normalizeH="0">
+          <a:defRPr kumimoji="0" sz="1800" b="0" i="0" u="none" strike="noStrike" cap="none" spc="0" normalizeH="0" baseline="0">
             <a:ln>
               <a:noFill/>
             </a:ln>
@@ -4596,7 +4630,7 @@
           <a:buFontTx/>
           <a:buNone/>
           <a:tabLst/>
-          <a:defRPr b="0" baseline="0" cap="none" i="0" spc="0" strike="noStrike" sz="1800" u="none" kumimoji="0" normalizeH="0">
+          <a:defRPr kumimoji="0" sz="1800" b="0" i="0" u="none" strike="noStrike" cap="none" spc="0" normalizeH="0" baseline="0">
             <a:ln>
               <a:noFill/>
             </a:ln>
@@ -4622,7 +4656,7 @@
           <a:buFontTx/>
           <a:buNone/>
           <a:tabLst/>
-          <a:defRPr b="0" baseline="0" cap="none" i="0" spc="0" strike="noStrike" sz="1800" u="none" kumimoji="0" normalizeH="0">
+          <a:defRPr kumimoji="0" sz="1800" b="0" i="0" u="none" strike="noStrike" cap="none" spc="0" normalizeH="0" baseline="0">
             <a:ln>
               <a:noFill/>
             </a:ln>
@@ -4648,7 +4682,7 @@
           <a:buFontTx/>
           <a:buNone/>
           <a:tabLst/>
-          <a:defRPr b="0" baseline="0" cap="none" i="0" spc="0" strike="noStrike" sz="1800" u="none" kumimoji="0" normalizeH="0">
+          <a:defRPr kumimoji="0" sz="1800" b="0" i="0" u="none" strike="noStrike" cap="none" spc="0" normalizeH="0" baseline="0">
             <a:ln>
               <a:noFill/>
             </a:ln>
@@ -4674,7 +4708,7 @@
           <a:buFontTx/>
           <a:buNone/>
           <a:tabLst/>
-          <a:defRPr b="0" baseline="0" cap="none" i="0" spc="0" strike="noStrike" sz="1800" u="none" kumimoji="0" normalizeH="0">
+          <a:defRPr kumimoji="0" sz="1800" b="0" i="0" u="none" strike="noStrike" cap="none" spc="0" normalizeH="0" baseline="0">
             <a:ln>
               <a:noFill/>
             </a:ln>
@@ -4700,7 +4734,7 @@
           <a:buFontTx/>
           <a:buNone/>
           <a:tabLst/>
-          <a:defRPr b="0" baseline="0" cap="none" i="0" spc="0" strike="noStrike" sz="1800" u="none" kumimoji="0" normalizeH="0">
+          <a:defRPr kumimoji="0" sz="1800" b="0" i="0" u="none" strike="noStrike" cap="none" spc="0" normalizeH="0" baseline="0">
             <a:ln>
               <a:noFill/>
             </a:ln>
@@ -4726,7 +4760,7 @@
           <a:buFontTx/>
           <a:buNone/>
           <a:tabLst/>
-          <a:defRPr b="0" baseline="0" cap="none" i="0" spc="0" strike="noStrike" sz="1800" u="none" kumimoji="0" normalizeH="0">
+          <a:defRPr kumimoji="0" sz="1800" b="0" i="0" u="none" strike="noStrike" cap="none" spc="0" normalizeH="0" baseline="0">
             <a:ln>
               <a:noFill/>
             </a:ln>
@@ -4752,7 +4786,7 @@
           <a:buFontTx/>
           <a:buNone/>
           <a:tabLst/>
-          <a:defRPr b="0" baseline="0" cap="none" i="0" spc="0" strike="noStrike" sz="1800" u="none" kumimoji="0" normalizeH="0">
+          <a:defRPr kumimoji="0" sz="1800" b="0" i="0" u="none" strike="noStrike" cap="none" spc="0" normalizeH="0" baseline="0">
             <a:ln>
               <a:noFill/>
             </a:ln>
@@ -4778,7 +4812,7 @@
           <a:buFontTx/>
           <a:buNone/>
           <a:tabLst/>
-          <a:defRPr b="0" baseline="0" cap="none" i="0" spc="0" strike="noStrike" sz="1800" u="none" kumimoji="0" normalizeH="0">
+          <a:defRPr kumimoji="0" sz="1800" b="0" i="0" u="none" strike="noStrike" cap="none" spc="0" normalizeH="0" baseline="0">
             <a:ln>
               <a:noFill/>
             </a:ln>
@@ -4791,9 +4825,15 @@
         </a:lvl9pPr>
       </a:lstStyle>
       <a:style>
-        <a:lnRef idx="0"/>
-        <a:fillRef idx="0"/>
-        <a:effectRef idx="0"/>
+        <a:lnRef idx="0">
+          <a:scrgbClr r="0" g="0" b="0"/>
+        </a:lnRef>
+        <a:fillRef idx="0">
+          <a:scrgbClr r="0" g="0" b="0"/>
+        </a:fillRef>
+        <a:effectRef idx="0">
+          <a:scrgbClr r="0" g="0" b="0"/>
+        </a:effectRef>
         <a:fontRef idx="none"/>
       </a:style>
     </a:lnDef>
@@ -4806,7 +4846,7 @@
         </a:ln>
         <a:effectLst/>
       </a:spPr>
-      <a:bodyPr rot="0" spcFirstLastPara="1" vertOverflow="overflow" horzOverflow="overflow" vert="horz" wrap="square" lIns="50800" tIns="50800" rIns="50800" bIns="50800" numCol="1" spcCol="38100" rtlCol="0" anchor="ctr" upright="0">
+      <a:bodyPr rot="0" spcFirstLastPara="1" vertOverflow="overflow" horzOverflow="overflow" vert="horz" wrap="square" lIns="50800" tIns="50800" rIns="50800" bIns="50800" numCol="1" spcCol="38100" rtlCol="0" anchor="ctr">
         <a:spAutoFit/>
       </a:bodyPr>
       <a:lstStyle>
@@ -4825,7 +4865,7 @@
           <a:buFontTx/>
           <a:buNone/>
           <a:tabLst/>
-          <a:defRPr b="0" baseline="0" cap="none" i="0" spc="0" strike="noStrike" sz="3600" u="none" kumimoji="0" normalizeH="0">
+          <a:defRPr kumimoji="0" sz="3600" b="0" i="0" u="none" strike="noStrike" cap="none" spc="0" normalizeH="0" baseline="0">
             <a:ln>
               <a:noFill/>
             </a:ln>
@@ -4855,7 +4895,7 @@
           <a:buFontTx/>
           <a:buNone/>
           <a:tabLst/>
-          <a:defRPr b="0" baseline="0" cap="none" i="0" spc="0" strike="noStrike" sz="1800" u="none" kumimoji="0" normalizeH="0">
+          <a:defRPr kumimoji="0" sz="1800" b="0" i="0" u="none" strike="noStrike" cap="none" spc="0" normalizeH="0" baseline="0">
             <a:ln>
               <a:noFill/>
             </a:ln>
@@ -4881,7 +4921,7 @@
           <a:buFontTx/>
           <a:buNone/>
           <a:tabLst/>
-          <a:defRPr b="0" baseline="0" cap="none" i="0" spc="0" strike="noStrike" sz="1800" u="none" kumimoji="0" normalizeH="0">
+          <a:defRPr kumimoji="0" sz="1800" b="0" i="0" u="none" strike="noStrike" cap="none" spc="0" normalizeH="0" baseline="0">
             <a:ln>
               <a:noFill/>
             </a:ln>
@@ -4907,7 +4947,7 @@
           <a:buFontTx/>
           <a:buNone/>
           <a:tabLst/>
-          <a:defRPr b="0" baseline="0" cap="none" i="0" spc="0" strike="noStrike" sz="1800" u="none" kumimoji="0" normalizeH="0">
+          <a:defRPr kumimoji="0" sz="1800" b="0" i="0" u="none" strike="noStrike" cap="none" spc="0" normalizeH="0" baseline="0">
             <a:ln>
               <a:noFill/>
             </a:ln>
@@ -4933,7 +4973,7 @@
           <a:buFontTx/>
           <a:buNone/>
           <a:tabLst/>
-          <a:defRPr b="0" baseline="0" cap="none" i="0" spc="0" strike="noStrike" sz="1800" u="none" kumimoji="0" normalizeH="0">
+          <a:defRPr kumimoji="0" sz="1800" b="0" i="0" u="none" strike="noStrike" cap="none" spc="0" normalizeH="0" baseline="0">
             <a:ln>
               <a:noFill/>
             </a:ln>
@@ -4959,7 +4999,7 @@
           <a:buFontTx/>
           <a:buNone/>
           <a:tabLst/>
-          <a:defRPr b="0" baseline="0" cap="none" i="0" spc="0" strike="noStrike" sz="1800" u="none" kumimoji="0" normalizeH="0">
+          <a:defRPr kumimoji="0" sz="1800" b="0" i="0" u="none" strike="noStrike" cap="none" spc="0" normalizeH="0" baseline="0">
             <a:ln>
               <a:noFill/>
             </a:ln>
@@ -4985,7 +5025,7 @@
           <a:buFontTx/>
           <a:buNone/>
           <a:tabLst/>
-          <a:defRPr b="0" baseline="0" cap="none" i="0" spc="0" strike="noStrike" sz="1800" u="none" kumimoji="0" normalizeH="0">
+          <a:defRPr kumimoji="0" sz="1800" b="0" i="0" u="none" strike="noStrike" cap="none" spc="0" normalizeH="0" baseline="0">
             <a:ln>
               <a:noFill/>
             </a:ln>
@@ -5011,7 +5051,7 @@
           <a:buFontTx/>
           <a:buNone/>
           <a:tabLst/>
-          <a:defRPr b="0" baseline="0" cap="none" i="0" spc="0" strike="noStrike" sz="1800" u="none" kumimoji="0" normalizeH="0">
+          <a:defRPr kumimoji="0" sz="1800" b="0" i="0" u="none" strike="noStrike" cap="none" spc="0" normalizeH="0" baseline="0">
             <a:ln>
               <a:noFill/>
             </a:ln>
@@ -5037,7 +5077,7 @@
           <a:buFontTx/>
           <a:buNone/>
           <a:tabLst/>
-          <a:defRPr b="0" baseline="0" cap="none" i="0" spc="0" strike="noStrike" sz="1800" u="none" kumimoji="0" normalizeH="0">
+          <a:defRPr kumimoji="0" sz="1800" b="0" i="0" u="none" strike="noStrike" cap="none" spc="0" normalizeH="0" baseline="0">
             <a:ln>
               <a:noFill/>
             </a:ln>
@@ -5063,7 +5103,7 @@
           <a:buFontTx/>
           <a:buNone/>
           <a:tabLst/>
-          <a:defRPr b="0" baseline="0" cap="none" i="0" spc="0" strike="noStrike" sz="1800" u="none" kumimoji="0" normalizeH="0">
+          <a:defRPr kumimoji="0" sz="1800" b="0" i="0" u="none" strike="noStrike" cap="none" spc="0" normalizeH="0" baseline="0">
             <a:ln>
               <a:noFill/>
             </a:ln>
@@ -5076,12 +5116,19 @@
         </a:lvl9pPr>
       </a:lstStyle>
       <a:style>
-        <a:lnRef idx="0"/>
-        <a:fillRef idx="0"/>
-        <a:effectRef idx="0"/>
+        <a:lnRef idx="0">
+          <a:scrgbClr r="0" g="0" b="0"/>
+        </a:lnRef>
+        <a:fillRef idx="0">
+          <a:scrgbClr r="0" g="0" b="0"/>
+        </a:fillRef>
+        <a:effectRef idx="0">
+          <a:scrgbClr r="0" g="0" b="0"/>
+        </a:effectRef>
         <a:fontRef idx="none"/>
       </a:style>
     </a:txDef>
   </a:objectDefaults>
+  <a:extraClrSchemeLst/>
 </a:theme>
 </file>